--- a/Presentation/DIO_Research_Presentation_v2.pptx
+++ b/Presentation/DIO_Research_Presentation_v2.pptx
@@ -3373,6 +3373,41 @@
           </a:p>
         </p:txBody>
       </p:sp>
+      <p:sp>
+        <p:nvSpPr>
+          <p:cNvPr id="4" name="TextBox 3"/>
+          <p:cNvSpPr txBox="1"/>
+          <p:nvPr/>
+        </p:nvSpPr>
+        <p:spPr>
+          <a:xfrm>
+            <a:off x="8229600" y="6400800"/>
+            <a:ext cx="731520" cy="365760"/>
+          </a:xfrm>
+          <a:prstGeom prst="rect">
+            <a:avLst/>
+          </a:prstGeom>
+          <a:noFill/>
+        </p:spPr>
+        <p:txBody>
+          <a:bodyPr wrap="none">
+            <a:spAutoFit/>
+          </a:bodyPr>
+          <a:lstStyle/>
+          <a:p>
+            <a:pPr algn="r">
+              <a:defRPr sz="1000">
+                <a:solidFill>
+                  <a:srgbClr val="808080"/>
+                </a:solidFill>
+              </a:defRPr>
+            </a:pPr>
+            <a:r>
+              <a:t>10</a:t>
+            </a:r>
+          </a:p>
+        </p:txBody>
+      </p:sp>
     </p:spTree>
   </p:cSld>
   <p:clrMapOvr>
@@ -3552,6 +3587,41 @@
           </a:p>
         </p:txBody>
       </p:sp>
+      <p:sp>
+        <p:nvSpPr>
+          <p:cNvPr id="4" name="TextBox 3"/>
+          <p:cNvSpPr txBox="1"/>
+          <p:nvPr/>
+        </p:nvSpPr>
+        <p:spPr>
+          <a:xfrm>
+            <a:off x="8229600" y="6400800"/>
+            <a:ext cx="731520" cy="365760"/>
+          </a:xfrm>
+          <a:prstGeom prst="rect">
+            <a:avLst/>
+          </a:prstGeom>
+          <a:noFill/>
+        </p:spPr>
+        <p:txBody>
+          <a:bodyPr wrap="none">
+            <a:spAutoFit/>
+          </a:bodyPr>
+          <a:lstStyle/>
+          <a:p>
+            <a:pPr algn="r">
+              <a:defRPr sz="1000">
+                <a:solidFill>
+                  <a:srgbClr val="808080"/>
+                </a:solidFill>
+              </a:defRPr>
+            </a:pPr>
+            <a:r>
+              <a:t>11</a:t>
+            </a:r>
+          </a:p>
+        </p:txBody>
+      </p:sp>
     </p:spTree>
   </p:cSld>
   <p:clrMapOvr>
@@ -3591,6 +3661,41 @@
           </a:p>
         </p:txBody>
       </p:sp>
+      <p:sp>
+        <p:nvSpPr>
+          <p:cNvPr id="3" name="TextBox 2"/>
+          <p:cNvSpPr txBox="1"/>
+          <p:nvPr/>
+        </p:nvSpPr>
+        <p:spPr>
+          <a:xfrm>
+            <a:off x="8229600" y="6400800"/>
+            <a:ext cx="731520" cy="365760"/>
+          </a:xfrm>
+          <a:prstGeom prst="rect">
+            <a:avLst/>
+          </a:prstGeom>
+          <a:noFill/>
+        </p:spPr>
+        <p:txBody>
+          <a:bodyPr wrap="none">
+            <a:spAutoFit/>
+          </a:bodyPr>
+          <a:lstStyle/>
+          <a:p>
+            <a:pPr algn="r">
+              <a:defRPr sz="1000">
+                <a:solidFill>
+                  <a:srgbClr val="808080"/>
+                </a:solidFill>
+              </a:defRPr>
+            </a:pPr>
+            <a:r>
+              <a:t>12</a:t>
+            </a:r>
+          </a:p>
+        </p:txBody>
+      </p:sp>
     </p:spTree>
   </p:cSld>
   <p:clrMapOvr>
@@ -3736,6 +3841,41 @@
           </a:p>
         </p:txBody>
       </p:sp>
+      <p:sp>
+        <p:nvSpPr>
+          <p:cNvPr id="4" name="TextBox 3"/>
+          <p:cNvSpPr txBox="1"/>
+          <p:nvPr/>
+        </p:nvSpPr>
+        <p:spPr>
+          <a:xfrm>
+            <a:off x="8229600" y="6400800"/>
+            <a:ext cx="731520" cy="365760"/>
+          </a:xfrm>
+          <a:prstGeom prst="rect">
+            <a:avLst/>
+          </a:prstGeom>
+          <a:noFill/>
+        </p:spPr>
+        <p:txBody>
+          <a:bodyPr wrap="none">
+            <a:spAutoFit/>
+          </a:bodyPr>
+          <a:lstStyle/>
+          <a:p>
+            <a:pPr algn="r">
+              <a:defRPr sz="1000">
+                <a:solidFill>
+                  <a:srgbClr val="808080"/>
+                </a:solidFill>
+              </a:defRPr>
+            </a:pPr>
+            <a:r>
+              <a:t>13</a:t>
+            </a:r>
+          </a:p>
+        </p:txBody>
+      </p:sp>
     </p:spTree>
   </p:cSld>
   <p:clrMapOvr>
@@ -3860,7 +4000,7 @@
               <a:defRPr sz="2000"/>
             </a:pPr>
             <a:r>
-              <a:t>  - Tested across 30 different splits: only 94.72% average</a:t>
+              <a:t>  - Tested across 30 different splits: only 94.37% average</a:t>
             </a:r>
           </a:p>
           <a:p>
@@ -3919,6 +4059,41 @@
             </a:pPr>
             <a:r>
               <a:t>This discovery shaped everything that followed...</a:t>
+            </a:r>
+          </a:p>
+        </p:txBody>
+      </p:sp>
+      <p:sp>
+        <p:nvSpPr>
+          <p:cNvPr id="4" name="TextBox 3"/>
+          <p:cNvSpPr txBox="1"/>
+          <p:nvPr/>
+        </p:nvSpPr>
+        <p:spPr>
+          <a:xfrm>
+            <a:off x="8229600" y="6400800"/>
+            <a:ext cx="731520" cy="365760"/>
+          </a:xfrm>
+          <a:prstGeom prst="rect">
+            <a:avLst/>
+          </a:prstGeom>
+          <a:noFill/>
+        </p:spPr>
+        <p:txBody>
+          <a:bodyPr wrap="none">
+            <a:spAutoFit/>
+          </a:bodyPr>
+          <a:lstStyle/>
+          <a:p>
+            <a:pPr algn="r">
+              <a:defRPr sz="1000">
+                <a:solidFill>
+                  <a:srgbClr val="808080"/>
+                </a:solidFill>
+              </a:defRPr>
+            </a:pPr>
+            <a:r>
+              <a:t>14</a:t>
             </a:r>
           </a:p>
         </p:txBody>
@@ -4102,6 +4277,41 @@
           </a:p>
         </p:txBody>
       </p:sp>
+      <p:sp>
+        <p:nvSpPr>
+          <p:cNvPr id="4" name="TextBox 3"/>
+          <p:cNvSpPr txBox="1"/>
+          <p:nvPr/>
+        </p:nvSpPr>
+        <p:spPr>
+          <a:xfrm>
+            <a:off x="8229600" y="6400800"/>
+            <a:ext cx="731520" cy="365760"/>
+          </a:xfrm>
+          <a:prstGeom prst="rect">
+            <a:avLst/>
+          </a:prstGeom>
+          <a:noFill/>
+        </p:spPr>
+        <p:txBody>
+          <a:bodyPr wrap="none">
+            <a:spAutoFit/>
+          </a:bodyPr>
+          <a:lstStyle/>
+          <a:p>
+            <a:pPr algn="r">
+              <a:defRPr sz="1000">
+                <a:solidFill>
+                  <a:srgbClr val="808080"/>
+                </a:solidFill>
+              </a:defRPr>
+            </a:pPr>
+            <a:r>
+              <a:t>15</a:t>
+            </a:r>
+          </a:p>
+        </p:txBody>
+      </p:sp>
     </p:spTree>
   </p:cSld>
   <p:clrMapOvr>
@@ -4141,6 +4351,41 @@
           </a:p>
         </p:txBody>
       </p:sp>
+      <p:sp>
+        <p:nvSpPr>
+          <p:cNvPr id="3" name="TextBox 2"/>
+          <p:cNvSpPr txBox="1"/>
+          <p:nvPr/>
+        </p:nvSpPr>
+        <p:spPr>
+          <a:xfrm>
+            <a:off x="8229600" y="6400800"/>
+            <a:ext cx="731520" cy="365760"/>
+          </a:xfrm>
+          <a:prstGeom prst="rect">
+            <a:avLst/>
+          </a:prstGeom>
+          <a:noFill/>
+        </p:spPr>
+        <p:txBody>
+          <a:bodyPr wrap="none">
+            <a:spAutoFit/>
+          </a:bodyPr>
+          <a:lstStyle/>
+          <a:p>
+            <a:pPr algn="r">
+              <a:defRPr sz="1000">
+                <a:solidFill>
+                  <a:srgbClr val="808080"/>
+                </a:solidFill>
+              </a:defRPr>
+            </a:pPr>
+            <a:r>
+              <a:t>16</a:t>
+            </a:r>
+          </a:p>
+        </p:txBody>
+      </p:sp>
     </p:spTree>
   </p:cSld>
   <p:clrMapOvr>
@@ -4180,6 +4425,41 @@
           </a:p>
         </p:txBody>
       </p:sp>
+      <p:sp>
+        <p:nvSpPr>
+          <p:cNvPr id="3" name="TextBox 2"/>
+          <p:cNvSpPr txBox="1"/>
+          <p:nvPr/>
+        </p:nvSpPr>
+        <p:spPr>
+          <a:xfrm>
+            <a:off x="8229600" y="6400800"/>
+            <a:ext cx="731520" cy="365760"/>
+          </a:xfrm>
+          <a:prstGeom prst="rect">
+            <a:avLst/>
+          </a:prstGeom>
+          <a:noFill/>
+        </p:spPr>
+        <p:txBody>
+          <a:bodyPr wrap="none">
+            <a:spAutoFit/>
+          </a:bodyPr>
+          <a:lstStyle/>
+          <a:p>
+            <a:pPr algn="r">
+              <a:defRPr sz="1000">
+                <a:solidFill>
+                  <a:srgbClr val="808080"/>
+                </a:solidFill>
+              </a:defRPr>
+            </a:pPr>
+            <a:r>
+              <a:t>17</a:t>
+            </a:r>
+          </a:p>
+        </p:txBody>
+      </p:sp>
     </p:spTree>
   </p:cSld>
   <p:clrMapOvr>
@@ -4238,7 +4518,7 @@
               <a:defRPr sz="2000"/>
             </a:pPr>
             <a:r>
-              <a:t>Wisconsin Diagnostic Breast Cancer Dataset</a:t>
+              <a:t>Wisconsin Diagnostic Breast Cancer Dataset [2]</a:t>
             </a:r>
           </a:p>
           <a:p>
@@ -4350,6 +4630,41 @@
             </a:pPr>
             <a:r>
               <a:t>Experimental setup: 70% training, 30% testing (stratified by class)</a:t>
+            </a:r>
+          </a:p>
+        </p:txBody>
+      </p:sp>
+      <p:sp>
+        <p:nvSpPr>
+          <p:cNvPr id="4" name="TextBox 3"/>
+          <p:cNvSpPr txBox="1"/>
+          <p:nvPr/>
+        </p:nvSpPr>
+        <p:spPr>
+          <a:xfrm>
+            <a:off x="8229600" y="6400800"/>
+            <a:ext cx="731520" cy="365760"/>
+          </a:xfrm>
+          <a:prstGeom prst="rect">
+            <a:avLst/>
+          </a:prstGeom>
+          <a:noFill/>
+        </p:spPr>
+        <p:txBody>
+          <a:bodyPr wrap="none">
+            <a:spAutoFit/>
+          </a:bodyPr>
+          <a:lstStyle/>
+          <a:p>
+            <a:pPr algn="r">
+              <a:defRPr sz="1000">
+                <a:solidFill>
+                  <a:srgbClr val="808080"/>
+                </a:solidFill>
+              </a:defRPr>
+            </a:pPr>
+            <a:r>
+              <a:t>18</a:t>
             </a:r>
           </a:p>
         </p:txBody>
@@ -4470,7 +4785,7 @@
               <a:defRPr sz="2000"/>
             </a:pPr>
             <a:r>
-              <a:t>But then we ran 30-run statistical validation...</a:t>
+              <a:t>But then we ran 30-run statistical validation [7]...</a:t>
             </a:r>
           </a:p>
           <a:p>
@@ -4491,7 +4806,7 @@
               <a:defRPr sz="2000"/>
             </a:pPr>
             <a:r>
-              <a:t>  - Average accuracy across 30 different splits: 94.72% ± 1.76%</a:t>
+              <a:t>  - Average accuracy across 30 different splits: 94.37% ± 1.82%</a:t>
             </a:r>
           </a:p>
           <a:p>
@@ -4545,6 +4860,41 @@
             </a:pPr>
             <a:r>
               <a:t>  - Classic case of 'overfitting' but at the optimization level, not model level</a:t>
+            </a:r>
+          </a:p>
+        </p:txBody>
+      </p:sp>
+      <p:sp>
+        <p:nvSpPr>
+          <p:cNvPr id="4" name="TextBox 3"/>
+          <p:cNvSpPr txBox="1"/>
+          <p:nvPr/>
+        </p:nvSpPr>
+        <p:spPr>
+          <a:xfrm>
+            <a:off x="8229600" y="6400800"/>
+            <a:ext cx="731520" cy="365760"/>
+          </a:xfrm>
+          <a:prstGeom prst="rect">
+            <a:avLst/>
+          </a:prstGeom>
+          <a:noFill/>
+        </p:spPr>
+        <p:txBody>
+          <a:bodyPr wrap="none">
+            <a:spAutoFit/>
+          </a:bodyPr>
+          <a:lstStyle/>
+          <a:p>
+            <a:pPr algn="r">
+              <a:defRPr sz="1000">
+                <a:solidFill>
+                  <a:srgbClr val="808080"/>
+                </a:solidFill>
+              </a:defRPr>
+            </a:pPr>
+            <a:r>
+              <a:t>19</a:t>
             </a:r>
           </a:p>
         </p:txBody>
@@ -4665,6 +5015,41 @@
           </a:p>
         </p:txBody>
       </p:sp>
+      <p:sp>
+        <p:nvSpPr>
+          <p:cNvPr id="4" name="TextBox 3"/>
+          <p:cNvSpPr txBox="1"/>
+          <p:nvPr/>
+        </p:nvSpPr>
+        <p:spPr>
+          <a:xfrm>
+            <a:off x="8229600" y="6400800"/>
+            <a:ext cx="731520" cy="365760"/>
+          </a:xfrm>
+          <a:prstGeom prst="rect">
+            <a:avLst/>
+          </a:prstGeom>
+          <a:noFill/>
+        </p:spPr>
+        <p:txBody>
+          <a:bodyPr wrap="none">
+            <a:spAutoFit/>
+          </a:bodyPr>
+          <a:lstStyle/>
+          <a:p>
+            <a:pPr algn="r">
+              <a:defRPr sz="1000">
+                <a:solidFill>
+                  <a:srgbClr val="808080"/>
+                </a:solidFill>
+              </a:defRPr>
+            </a:pPr>
+            <a:r>
+              <a:t>2</a:t>
+            </a:r>
+          </a:p>
+        </p:txBody>
+      </p:sp>
     </p:spTree>
   </p:cSld>
   <p:clrMapOvr>
@@ -4789,7 +5174,7 @@
               <a:defRPr sz="2000"/>
             </a:pPr>
             <a:r>
-              <a:t>  - Average accuracy: 96.26% ± 1.33%</a:t>
+              <a:t>  - Average accuracy: 96.55% ± 1.51%</a:t>
             </a:r>
           </a:p>
           <a:p>
@@ -4856,6 +5241,41 @@
             </a:pPr>
             <a:r>
               <a:t>The lesson: Use cross-validation during optimization, not just for final evaluation</a:t>
+            </a:r>
+          </a:p>
+        </p:txBody>
+      </p:sp>
+      <p:sp>
+        <p:nvSpPr>
+          <p:cNvPr id="4" name="TextBox 3"/>
+          <p:cNvSpPr txBox="1"/>
+          <p:nvPr/>
+        </p:nvSpPr>
+        <p:spPr>
+          <a:xfrm>
+            <a:off x="8229600" y="6400800"/>
+            <a:ext cx="731520" cy="365760"/>
+          </a:xfrm>
+          <a:prstGeom prst="rect">
+            <a:avLst/>
+          </a:prstGeom>
+          <a:noFill/>
+        </p:spPr>
+        <p:txBody>
+          <a:bodyPr wrap="none">
+            <a:spAutoFit/>
+          </a:bodyPr>
+          <a:lstStyle/>
+          <a:p>
+            <a:pPr algn="r">
+              <a:defRPr sz="1000">
+                <a:solidFill>
+                  <a:srgbClr val="808080"/>
+                </a:solidFill>
+              </a:defRPr>
+            </a:pPr>
+            <a:r>
+              <a:t>20</a:t>
             </a:r>
           </a:p>
         </p:txBody>
@@ -4931,7 +5351,7 @@
               <a:defRPr sz="2000"/>
             </a:pPr>
             <a:r>
-              <a:t>Why try XGBoost?</a:t>
+              <a:t>Why try XGBoost [5]?</a:t>
             </a:r>
           </a:p>
           <a:p>
@@ -4984,15 +5404,15 @@
               <a:defRPr sz="2000"/>
             </a:pPr>
             <a:r>
-              <a:t>  - Average accuracy: 96.34% ± 1.23%  ← HIGHEST OF ALL APPROACHES</a:t>
-            </a:r>
-          </a:p>
-          <a:p>
-            <a:pPr>
-              <a:defRPr sz="2000"/>
-            </a:pPr>
-            <a:r>
-              <a:t>  - Features: 17 out of 30 (43% reduction)</a:t>
+              <a:t>  - Average accuracy: 96.88% ± 1.10%  ← HIGHEST OF ALL APPROACHES</a:t>
+            </a:r>
+          </a:p>
+          <a:p>
+            <a:pPr>
+              <a:defRPr sz="2000"/>
+            </a:pPr>
+            <a:r>
+              <a:t>  - Features: 10 out of 30 (67% reduction)</a:t>
             </a:r>
           </a:p>
           <a:p>
@@ -5075,6 +5495,41 @@
             </a:pPr>
             <a:r>
               <a:t>  - Algorithm choice matters for optimization strategy</a:t>
+            </a:r>
+          </a:p>
+        </p:txBody>
+      </p:sp>
+      <p:sp>
+        <p:nvSpPr>
+          <p:cNvPr id="4" name="TextBox 3"/>
+          <p:cNvSpPr txBox="1"/>
+          <p:nvPr/>
+        </p:nvSpPr>
+        <p:spPr>
+          <a:xfrm>
+            <a:off x="8229600" y="6400800"/>
+            <a:ext cx="731520" cy="365760"/>
+          </a:xfrm>
+          <a:prstGeom prst="rect">
+            <a:avLst/>
+          </a:prstGeom>
+          <a:noFill/>
+        </p:spPr>
+        <p:txBody>
+          <a:bodyPr wrap="none">
+            <a:spAutoFit/>
+          </a:bodyPr>
+          <a:lstStyle/>
+          <a:p>
+            <a:pPr algn="r">
+              <a:defRPr sz="1000">
+                <a:solidFill>
+                  <a:srgbClr val="808080"/>
+                </a:solidFill>
+              </a:defRPr>
+            </a:pPr>
+            <a:r>
+              <a:t>21</a:t>
             </a:r>
           </a:p>
         </p:txBody>
@@ -5118,6 +5573,41 @@
           </a:p>
         </p:txBody>
       </p:sp>
+      <p:sp>
+        <p:nvSpPr>
+          <p:cNvPr id="3" name="TextBox 2"/>
+          <p:cNvSpPr txBox="1"/>
+          <p:nvPr/>
+        </p:nvSpPr>
+        <p:spPr>
+          <a:xfrm>
+            <a:off x="8229600" y="6400800"/>
+            <a:ext cx="731520" cy="365760"/>
+          </a:xfrm>
+          <a:prstGeom prst="rect">
+            <a:avLst/>
+          </a:prstGeom>
+          <a:noFill/>
+        </p:spPr>
+        <p:txBody>
+          <a:bodyPr wrap="none">
+            <a:spAutoFit/>
+          </a:bodyPr>
+          <a:lstStyle/>
+          <a:p>
+            <a:pPr algn="r">
+              <a:defRPr sz="1000">
+                <a:solidFill>
+                  <a:srgbClr val="808080"/>
+                </a:solidFill>
+              </a:defRPr>
+            </a:pPr>
+            <a:r>
+              <a:t>22</a:t>
+            </a:r>
+          </a:p>
+        </p:txBody>
+      </p:sp>
     </p:spTree>
   </p:cSld>
   <p:clrMapOvr>
@@ -5197,7 +5687,7 @@
               <a:defRPr sz="2000"/>
             </a:pPr>
             <a:r>
-              <a:t>  - Accuracy: 94.72% ± 1.76%  |  Features: 8  |  Rank: #7</a:t>
+              <a:t>  - Accuracy: 94.37% ± 1.82%  |  Features: 8  |  Rank: #6</a:t>
             </a:r>
           </a:p>
           <a:p>
@@ -5226,7 +5716,7 @@
               <a:defRPr sz="2000"/>
             </a:pPr>
             <a:r>
-              <a:t>  - Accuracy: 96.26% ± 1.33%  |  Features: 6  |  Rank: #3</a:t>
+              <a:t>  - Accuracy: 96.55% ± 1.51%  |  Features: 6  |  Rank: #1</a:t>
             </a:r>
           </a:p>
           <a:p>
@@ -5255,7 +5745,7 @@
               <a:defRPr sz="2000"/>
             </a:pPr>
             <a:r>
-              <a:t>  - Accuracy: 96.34% ± 1.23%  |  Features: 17  |  Rank: #1</a:t>
+              <a:t>  - Accuracy: 96.88% ± 1.10%  |  Features: 10  |  Rank: #1</a:t>
             </a:r>
           </a:p>
           <a:p>
@@ -5306,6 +5796,41 @@
             </a:pPr>
             <a:r>
               <a:t>Key insight: Algorithm robustness determines whether CV is needed during optimization</a:t>
+            </a:r>
+          </a:p>
+        </p:txBody>
+      </p:sp>
+      <p:sp>
+        <p:nvSpPr>
+          <p:cNvPr id="4" name="TextBox 3"/>
+          <p:cNvSpPr txBox="1"/>
+          <p:nvPr/>
+        </p:nvSpPr>
+        <p:spPr>
+          <a:xfrm>
+            <a:off x="8229600" y="6400800"/>
+            <a:ext cx="731520" cy="365760"/>
+          </a:xfrm>
+          <a:prstGeom prst="rect">
+            <a:avLst/>
+          </a:prstGeom>
+          <a:noFill/>
+        </p:spPr>
+        <p:txBody>
+          <a:bodyPr wrap="none">
+            <a:spAutoFit/>
+          </a:bodyPr>
+          <a:lstStyle/>
+          <a:p>
+            <a:pPr algn="r">
+              <a:defRPr sz="1000">
+                <a:solidFill>
+                  <a:srgbClr val="808080"/>
+                </a:solidFill>
+              </a:defRPr>
+            </a:pPr>
+            <a:r>
+              <a:t>23</a:t>
             </a:r>
           </a:p>
         </p:txBody>
@@ -5344,7 +5869,7 @@
           <a:lstStyle/>
           <a:p>
             <a:r>
-              <a:t>2.3.5 Statistical Rigor: Wilcoxon Signed-Rank Test</a:t>
+              <a:t>2.3.5 Statistical Rigor: Wilcoxon Signed-Rank Test [7]</a:t>
             </a:r>
           </a:p>
         </p:txBody>
@@ -5517,6 +6042,41 @@
             </a:pPr>
             <a:r>
               <a:t>  ns = not significant (could be chance)</a:t>
+            </a:r>
+          </a:p>
+        </p:txBody>
+      </p:sp>
+      <p:sp>
+        <p:nvSpPr>
+          <p:cNvPr id="4" name="TextBox 3"/>
+          <p:cNvSpPr txBox="1"/>
+          <p:nvPr/>
+        </p:nvSpPr>
+        <p:spPr>
+          <a:xfrm>
+            <a:off x="8229600" y="6400800"/>
+            <a:ext cx="731520" cy="365760"/>
+          </a:xfrm>
+          <a:prstGeom prst="rect">
+            <a:avLst/>
+          </a:prstGeom>
+          <a:noFill/>
+        </p:spPr>
+        <p:txBody>
+          <a:bodyPr wrap="none">
+            <a:spAutoFit/>
+          </a:bodyPr>
+          <a:lstStyle/>
+          <a:p>
+            <a:pPr algn="r">
+              <a:defRPr sz="1000">
+                <a:solidFill>
+                  <a:srgbClr val="808080"/>
+                </a:solidFill>
+              </a:defRPr>
+            </a:pPr>
+            <a:r>
+              <a:t>24</a:t>
             </a:r>
           </a:p>
         </p:txBody>
@@ -5592,7 +6152,7 @@
               <a:defRPr sz="2000"/>
             </a:pPr>
             <a:r>
-              <a:t>CIFAR-10 Dataset:</a:t>
+              <a:t>CIFAR-10 Dataset [3]:</a:t>
             </a:r>
           </a:p>
           <a:p>
@@ -5637,7 +6197,7 @@
               <a:defRPr sz="2000"/>
             </a:pPr>
             <a:r>
-              <a:t>  - Used ResNet50 (pretrained on ImageNet) to extract features</a:t>
+              <a:t>  - Used ResNet50 [4] (pretrained on ImageNet) to extract features</a:t>
             </a:r>
           </a:p>
           <a:p>
@@ -5699,6 +6259,41 @@
             </a:pPr>
             <a:r>
               <a:t>  - Much harder to optimize—needs way more computation</a:t>
+            </a:r>
+          </a:p>
+        </p:txBody>
+      </p:sp>
+      <p:sp>
+        <p:nvSpPr>
+          <p:cNvPr id="4" name="TextBox 3"/>
+          <p:cNvSpPr txBox="1"/>
+          <p:nvPr/>
+        </p:nvSpPr>
+        <p:spPr>
+          <a:xfrm>
+            <a:off x="8229600" y="6400800"/>
+            <a:ext cx="731520" cy="365760"/>
+          </a:xfrm>
+          <a:prstGeom prst="rect">
+            <a:avLst/>
+          </a:prstGeom>
+          <a:noFill/>
+        </p:spPr>
+        <p:txBody>
+          <a:bodyPr wrap="none">
+            <a:spAutoFit/>
+          </a:bodyPr>
+          <a:lstStyle/>
+          <a:p>
+            <a:pPr algn="r">
+              <a:defRPr sz="1000">
+                <a:solidFill>
+                  <a:srgbClr val="808080"/>
+                </a:solidFill>
+              </a:defRPr>
+            </a:pPr>
+            <a:r>
+              <a:t>25</a:t>
             </a:r>
           </a:p>
         </p:txBody>
@@ -5911,6 +6506,41 @@
           </a:p>
         </p:txBody>
       </p:sp>
+      <p:sp>
+        <p:nvSpPr>
+          <p:cNvPr id="4" name="TextBox 3"/>
+          <p:cNvSpPr txBox="1"/>
+          <p:nvPr/>
+        </p:nvSpPr>
+        <p:spPr>
+          <a:xfrm>
+            <a:off x="8229600" y="6400800"/>
+            <a:ext cx="731520" cy="365760"/>
+          </a:xfrm>
+          <a:prstGeom prst="rect">
+            <a:avLst/>
+          </a:prstGeom>
+          <a:noFill/>
+        </p:spPr>
+        <p:txBody>
+          <a:bodyPr wrap="none">
+            <a:spAutoFit/>
+          </a:bodyPr>
+          <a:lstStyle/>
+          <a:p>
+            <a:pPr algn="r">
+              <a:defRPr sz="1000">
+                <a:solidFill>
+                  <a:srgbClr val="808080"/>
+                </a:solidFill>
+              </a:defRPr>
+            </a:pPr>
+            <a:r>
+              <a:t>26</a:t>
+            </a:r>
+          </a:p>
+        </p:txBody>
+      </p:sp>
     </p:spTree>
   </p:cSld>
   <p:clrMapOvr>
@@ -5950,6 +6580,41 @@
           </a:p>
         </p:txBody>
       </p:sp>
+      <p:sp>
+        <p:nvSpPr>
+          <p:cNvPr id="3" name="TextBox 2"/>
+          <p:cNvSpPr txBox="1"/>
+          <p:nvPr/>
+        </p:nvSpPr>
+        <p:spPr>
+          <a:xfrm>
+            <a:off x="8229600" y="6400800"/>
+            <a:ext cx="731520" cy="365760"/>
+          </a:xfrm>
+          <a:prstGeom prst="rect">
+            <a:avLst/>
+          </a:prstGeom>
+          <a:noFill/>
+        </p:spPr>
+        <p:txBody>
+          <a:bodyPr wrap="none">
+            <a:spAutoFit/>
+          </a:bodyPr>
+          <a:lstStyle/>
+          <a:p>
+            <a:pPr algn="r">
+              <a:defRPr sz="1000">
+                <a:solidFill>
+                  <a:srgbClr val="808080"/>
+                </a:solidFill>
+              </a:defRPr>
+            </a:pPr>
+            <a:r>
+              <a:t>27</a:t>
+            </a:r>
+          </a:p>
+        </p:txBody>
+      </p:sp>
     </p:spTree>
   </p:cSld>
   <p:clrMapOvr>
@@ -6137,6 +6802,41 @@
           </a:p>
         </p:txBody>
       </p:sp>
+      <p:sp>
+        <p:nvSpPr>
+          <p:cNvPr id="4" name="TextBox 3"/>
+          <p:cNvSpPr txBox="1"/>
+          <p:nvPr/>
+        </p:nvSpPr>
+        <p:spPr>
+          <a:xfrm>
+            <a:off x="8229600" y="6400800"/>
+            <a:ext cx="731520" cy="365760"/>
+          </a:xfrm>
+          <a:prstGeom prst="rect">
+            <a:avLst/>
+          </a:prstGeom>
+          <a:noFill/>
+        </p:spPr>
+        <p:txBody>
+          <a:bodyPr wrap="none">
+            <a:spAutoFit/>
+          </a:bodyPr>
+          <a:lstStyle/>
+          <a:p>
+            <a:pPr algn="r">
+              <a:defRPr sz="1000">
+                <a:solidFill>
+                  <a:srgbClr val="808080"/>
+                </a:solidFill>
+              </a:defRPr>
+            </a:pPr>
+            <a:r>
+              <a:t>28</a:t>
+            </a:r>
+          </a:p>
+        </p:txBody>
+      </p:sp>
     </p:spTree>
   </p:cSld>
   <p:clrMapOvr>
@@ -6369,6 +7069,41 @@
           </a:p>
         </p:txBody>
       </p:sp>
+      <p:sp>
+        <p:nvSpPr>
+          <p:cNvPr id="4" name="TextBox 3"/>
+          <p:cNvSpPr txBox="1"/>
+          <p:nvPr/>
+        </p:nvSpPr>
+        <p:spPr>
+          <a:xfrm>
+            <a:off x="8229600" y="6400800"/>
+            <a:ext cx="731520" cy="365760"/>
+          </a:xfrm>
+          <a:prstGeom prst="rect">
+            <a:avLst/>
+          </a:prstGeom>
+          <a:noFill/>
+        </p:spPr>
+        <p:txBody>
+          <a:bodyPr wrap="none">
+            <a:spAutoFit/>
+          </a:bodyPr>
+          <a:lstStyle/>
+          <a:p>
+            <a:pPr algn="r">
+              <a:defRPr sz="1000">
+                <a:solidFill>
+                  <a:srgbClr val="808080"/>
+                </a:solidFill>
+              </a:defRPr>
+            </a:pPr>
+            <a:r>
+              <a:t>29</a:t>
+            </a:r>
+          </a:p>
+        </p:txBody>
+      </p:sp>
     </p:spTree>
   </p:cSld>
   <p:clrMapOvr>
@@ -6544,6 +7279,41 @@
           </a:p>
         </p:txBody>
       </p:sp>
+      <p:sp>
+        <p:nvSpPr>
+          <p:cNvPr id="4" name="TextBox 3"/>
+          <p:cNvSpPr txBox="1"/>
+          <p:nvPr/>
+        </p:nvSpPr>
+        <p:spPr>
+          <a:xfrm>
+            <a:off x="8229600" y="6400800"/>
+            <a:ext cx="731520" cy="365760"/>
+          </a:xfrm>
+          <a:prstGeom prst="rect">
+            <a:avLst/>
+          </a:prstGeom>
+          <a:noFill/>
+        </p:spPr>
+        <p:txBody>
+          <a:bodyPr wrap="none">
+            <a:spAutoFit/>
+          </a:bodyPr>
+          <a:lstStyle/>
+          <a:p>
+            <a:pPr algn="r">
+              <a:defRPr sz="1000">
+                <a:solidFill>
+                  <a:srgbClr val="808080"/>
+                </a:solidFill>
+              </a:defRPr>
+            </a:pPr>
+            <a:r>
+              <a:t>3</a:t>
+            </a:r>
+          </a:p>
+        </p:txBody>
+      </p:sp>
     </p:spTree>
   </p:cSld>
   <p:clrMapOvr>
@@ -6631,7 +7401,7 @@
               <a:defRPr sz="2000"/>
             </a:pPr>
             <a:r>
-              <a:t>  - Single-run results can be wildly misleading (100% → 94.72%)</a:t>
+              <a:t>  - Single-run results can be wildly misleading (100% → 94.37%)</a:t>
             </a:r>
           </a:p>
           <a:p>
@@ -6734,7 +7504,7 @@
               <a:defRPr sz="2000"/>
             </a:pPr>
             <a:r>
-              <a:t>  - 96.34% accuracy (best overall), 43% feature reduction</a:t>
+              <a:t>  - 96.88% accuracy (best overall), 67% feature reduction</a:t>
             </a:r>
           </a:p>
           <a:p>
@@ -6764,6 +7534,41 @@
             </a:pPr>
             <a:r>
               <a:t>Final thought: Optimization isn't magic—it needs adequate investment</a:t>
+            </a:r>
+          </a:p>
+        </p:txBody>
+      </p:sp>
+      <p:sp>
+        <p:nvSpPr>
+          <p:cNvPr id="4" name="TextBox 3"/>
+          <p:cNvSpPr txBox="1"/>
+          <p:nvPr/>
+        </p:nvSpPr>
+        <p:spPr>
+          <a:xfrm>
+            <a:off x="8229600" y="6400800"/>
+            <a:ext cx="731520" cy="365760"/>
+          </a:xfrm>
+          <a:prstGeom prst="rect">
+            <a:avLst/>
+          </a:prstGeom>
+          <a:noFill/>
+        </p:spPr>
+        <p:txBody>
+          <a:bodyPr wrap="none">
+            <a:spAutoFit/>
+          </a:bodyPr>
+          <a:lstStyle/>
+          <a:p>
+            <a:pPr algn="r">
+              <a:defRPr sz="1000">
+                <a:solidFill>
+                  <a:srgbClr val="808080"/>
+                </a:solidFill>
+              </a:defRPr>
+            </a:pPr>
+            <a:r>
+              <a:t>30</a:t>
             </a:r>
           </a:p>
         </p:txBody>
@@ -6839,7 +7644,7 @@
               <a:defRPr sz="2000"/>
             </a:pPr>
             <a:r>
-              <a:t>Choose DIO-XGBoost (96.34%, 17 features) if:</a:t>
+              <a:t>Choose DIO-XGBoost (96.88%, 10 features) if:</a:t>
             </a:r>
           </a:p>
           <a:p>
@@ -6863,20 +7668,20 @@
               <a:defRPr sz="2000"/>
             </a:pPr>
             <a:r>
-              <a:t>  - 43% feature reduction still provides efficiency gains</a:t>
-            </a:r>
-          </a:p>
-          <a:p>
-            <a:pPr>
-              <a:defRPr sz="2000"/>
-            </a:pPr>
-          </a:p>
-          <a:p>
-            <a:pPr>
-              <a:defRPr sz="2000"/>
-            </a:pPr>
-            <a:r>
-              <a:t>Choose DIO-RF-CV (96.26%, 6 features) if:</a:t>
+              <a:t>  - 67% feature reduction provides significant efficiency gains</a:t>
+            </a:r>
+          </a:p>
+          <a:p>
+            <a:pPr>
+              <a:defRPr sz="2000"/>
+            </a:pPr>
+          </a:p>
+          <a:p>
+            <a:pPr>
+              <a:defRPr sz="2000"/>
+            </a:pPr>
+            <a:r>
+              <a:t>Choose DIO-RF-CV (96.55%, 6 features) if:</a:t>
             </a:r>
           </a:p>
           <a:p>
@@ -6913,7 +7718,7 @@
               <a:defRPr sz="2000"/>
             </a:pPr>
             <a:r>
-              <a:t>Avoid DIO-RF-Single (94.72%, 8 features) unless:</a:t>
+              <a:t>Avoid DIO-RF-Single (94.37%, 8 features) unless:</a:t>
             </a:r>
           </a:p>
           <a:p>
@@ -6967,6 +7772,41 @@
             </a:pPr>
             <a:r>
               <a:t>  - Match optimization budget to problem dimensionality</a:t>
+            </a:r>
+          </a:p>
+        </p:txBody>
+      </p:sp>
+      <p:sp>
+        <p:nvSpPr>
+          <p:cNvPr id="4" name="TextBox 3"/>
+          <p:cNvSpPr txBox="1"/>
+          <p:nvPr/>
+        </p:nvSpPr>
+        <p:spPr>
+          <a:xfrm>
+            <a:off x="8229600" y="6400800"/>
+            <a:ext cx="731520" cy="365760"/>
+          </a:xfrm>
+          <a:prstGeom prst="rect">
+            <a:avLst/>
+          </a:prstGeom>
+          <a:noFill/>
+        </p:spPr>
+        <p:txBody>
+          <a:bodyPr wrap="none">
+            <a:spAutoFit/>
+          </a:bodyPr>
+          <a:lstStyle/>
+          <a:p>
+            <a:pPr algn="r">
+              <a:defRPr sz="1000">
+                <a:solidFill>
+                  <a:srgbClr val="808080"/>
+                </a:solidFill>
+              </a:defRPr>
+            </a:pPr>
+            <a:r>
+              <a:t>31</a:t>
             </a:r>
           </a:p>
         </p:txBody>
@@ -7029,147 +7869,120 @@
               <a:defRPr sz="2000"/>
             </a:pPr>
             <a:r>
-              <a:t>Primary Source:</a:t>
-            </a:r>
-          </a:p>
-          <a:p>
-            <a:pPr>
-              <a:defRPr sz="2000"/>
-            </a:pPr>
-            <a:r>
-              <a:t>  - El Romeh, A., Mirjalili, S., &amp; Šnel, V. (2025)</a:t>
-            </a:r>
-          </a:p>
-          <a:p>
-            <a:pPr>
-              <a:defRPr sz="2000"/>
-            </a:pPr>
-            <a:r>
-              <a:t>    'Dholes-Inspired Optimization'</a:t>
-            </a:r>
-          </a:p>
-          <a:p>
-            <a:pPr>
-              <a:defRPr sz="2000"/>
-            </a:pPr>
-            <a:r>
-              <a:t>    Cluster Computing (Springer)</a:t>
-            </a:r>
-          </a:p>
-          <a:p>
-            <a:pPr>
-              <a:defRPr sz="2000"/>
-            </a:pPr>
-            <a:r>
-              <a:t>    DOI: 10.1007/s10586-025-05543-2</a:t>
-            </a:r>
-          </a:p>
-          <a:p>
-            <a:pPr>
-              <a:defRPr sz="2000"/>
-            </a:pPr>
-          </a:p>
-          <a:p>
-            <a:pPr>
-              <a:defRPr sz="2000"/>
-            </a:pPr>
-            <a:r>
-              <a:t>Datasets:</a:t>
-            </a:r>
-          </a:p>
-          <a:p>
-            <a:pPr>
-              <a:defRPr sz="2000"/>
-            </a:pPr>
-            <a:r>
-              <a:t>  - Breast Cancer Wisconsin: UCI Machine Learning Repository</a:t>
-            </a:r>
-          </a:p>
-          <a:p>
-            <a:pPr>
-              <a:defRPr sz="2000"/>
-            </a:pPr>
-            <a:r>
-              <a:t>  - CIFAR-10: Krizhevsky, A. (2009)</a:t>
-            </a:r>
-          </a:p>
-          <a:p>
-            <a:pPr>
-              <a:defRPr sz="2000"/>
-            </a:pPr>
-          </a:p>
-          <a:p>
-            <a:pPr>
-              <a:defRPr sz="2000"/>
-            </a:pPr>
-            <a:r>
-              <a:t>Code &amp; Implementation:</a:t>
-            </a:r>
-          </a:p>
-          <a:p>
-            <a:pPr>
-              <a:defRPr sz="2000"/>
-            </a:pPr>
-            <a:r>
-              <a:t>  - GitHub: github.com/amine-dubs/dio-optimization</a:t>
-            </a:r>
-          </a:p>
-          <a:p>
-            <a:pPr>
-              <a:defRPr sz="2000"/>
-            </a:pPr>
-            <a:r>
-              <a:t>  - Original MATLAB: github.com/Alyromeh/Dholes-Inspired-Optimization-DIO</a:t>
-            </a:r>
-          </a:p>
-          <a:p>
-            <a:pPr>
-              <a:defRPr sz="2000"/>
-            </a:pPr>
-          </a:p>
-          <a:p>
-            <a:pPr>
-              <a:defRPr sz="2000"/>
-            </a:pPr>
-            <a:r>
-              <a:t>Statistical Methods:</a:t>
-            </a:r>
-          </a:p>
-          <a:p>
-            <a:pPr>
-              <a:defRPr sz="2000"/>
-            </a:pPr>
-            <a:r>
-              <a:t>  - Wilcoxon Signed-Rank Test</a:t>
-            </a:r>
-          </a:p>
-          <a:p>
-            <a:pPr>
-              <a:defRPr sz="2000"/>
-            </a:pPr>
-            <a:r>
-              <a:t>  - 30-Run Validation Protocol</a:t>
-            </a:r>
-          </a:p>
-          <a:p>
-            <a:pPr>
-              <a:defRPr sz="2000"/>
-            </a:pPr>
-          </a:p>
-          <a:p>
-            <a:pPr>
-              <a:defRPr sz="2000"/>
-            </a:pPr>
-            <a:r>
-              <a:t>Deep Learning Features:</a:t>
-            </a:r>
-          </a:p>
-          <a:p>
-            <a:pPr>
-              <a:defRPr sz="2000"/>
-            </a:pPr>
-            <a:r>
-              <a:t>  - ResNet50: He et al. (2016), pretrained on ImageNet</a:t>
+              <a:t>[1] El Romeh, A., Mirjalili, S., &amp; Šnel, V. (2025). Dholes-Inspired Optimization (DIO). Cluster Computing (Springer). DOI: 10.1007/s10586-025-05543-2</a:t>
+            </a:r>
+          </a:p>
+          <a:p>
+            <a:pPr>
+              <a:defRPr sz="2000"/>
+            </a:pPr>
+          </a:p>
+          <a:p>
+            <a:pPr>
+              <a:defRPr sz="2000"/>
+            </a:pPr>
+            <a:r>
+              <a:t>[2] Dua, D. &amp; Graff, C. (2019). UCI Machine Learning Repository: Breast Cancer Wisconsin (Diagnostic) Data Set. University of California, Irvine.</a:t>
+            </a:r>
+          </a:p>
+          <a:p>
+            <a:pPr>
+              <a:defRPr sz="2000"/>
+            </a:pPr>
+          </a:p>
+          <a:p>
+            <a:pPr>
+              <a:defRPr sz="2000"/>
+            </a:pPr>
+            <a:r>
+              <a:t>[3] Krizhevsky, A. (2009). Learning Multiple Layers of Features from Tiny Images. Technical Report, University of Toronto.</a:t>
+            </a:r>
+          </a:p>
+          <a:p>
+            <a:pPr>
+              <a:defRPr sz="2000"/>
+            </a:pPr>
+          </a:p>
+          <a:p>
+            <a:pPr>
+              <a:defRPr sz="2000"/>
+            </a:pPr>
+            <a:r>
+              <a:t>[4] He, K., Zhang, X., Ren, S., &amp; Sun, J. (2016). Deep Residual Learning for Image Recognition. IEEE CVPR.</a:t>
+            </a:r>
+          </a:p>
+          <a:p>
+            <a:pPr>
+              <a:defRPr sz="2000"/>
+            </a:pPr>
+          </a:p>
+          <a:p>
+            <a:pPr>
+              <a:defRPr sz="2000"/>
+            </a:pPr>
+            <a:r>
+              <a:t>[5] Chen, T. &amp; Guestrin, C. (2016). XGBoost: A Scalable Tree Boosting System. KDD '16.</a:t>
+            </a:r>
+          </a:p>
+          <a:p>
+            <a:pPr>
+              <a:defRPr sz="2000"/>
+            </a:pPr>
+          </a:p>
+          <a:p>
+            <a:pPr>
+              <a:defRPr sz="2000"/>
+            </a:pPr>
+            <a:r>
+              <a:t>[6] Breiman, L. (2001). Random Forests. Machine Learning, 45(1), 5-32.</a:t>
+            </a:r>
+          </a:p>
+          <a:p>
+            <a:pPr>
+              <a:defRPr sz="2000"/>
+            </a:pPr>
+          </a:p>
+          <a:p>
+            <a:pPr>
+              <a:defRPr sz="2000"/>
+            </a:pPr>
+            <a:r>
+              <a:t>[7] Wilcoxon, F. (1945). Individual Comparisons by Ranking Methods. Biometrics Bulletin, 1(6), 80-83.</a:t>
+            </a:r>
+          </a:p>
+        </p:txBody>
+      </p:sp>
+      <p:sp>
+        <p:nvSpPr>
+          <p:cNvPr id="4" name="TextBox 3"/>
+          <p:cNvSpPr txBox="1"/>
+          <p:nvPr/>
+        </p:nvSpPr>
+        <p:spPr>
+          <a:xfrm>
+            <a:off x="8229600" y="6400800"/>
+            <a:ext cx="731520" cy="365760"/>
+          </a:xfrm>
+          <a:prstGeom prst="rect">
+            <a:avLst/>
+          </a:prstGeom>
+          <a:noFill/>
+        </p:spPr>
+        <p:txBody>
+          <a:bodyPr wrap="none">
+            <a:spAutoFit/>
+          </a:bodyPr>
+          <a:lstStyle/>
+          <a:p>
+            <a:pPr algn="r">
+              <a:defRPr sz="1000">
+                <a:solidFill>
+                  <a:srgbClr val="808080"/>
+                </a:solidFill>
+              </a:defRPr>
+            </a:pPr>
+            <a:r>
+              <a:t>32</a:t>
             </a:r>
           </a:p>
         </p:txBody>
@@ -7363,6 +8176,41 @@
           </a:p>
         </p:txBody>
       </p:sp>
+      <p:sp>
+        <p:nvSpPr>
+          <p:cNvPr id="4" name="TextBox 3"/>
+          <p:cNvSpPr txBox="1"/>
+          <p:nvPr/>
+        </p:nvSpPr>
+        <p:spPr>
+          <a:xfrm>
+            <a:off x="8229600" y="6400800"/>
+            <a:ext cx="731520" cy="365760"/>
+          </a:xfrm>
+          <a:prstGeom prst="rect">
+            <a:avLst/>
+          </a:prstGeom>
+          <a:noFill/>
+        </p:spPr>
+        <p:txBody>
+          <a:bodyPr wrap="none">
+            <a:spAutoFit/>
+          </a:bodyPr>
+          <a:lstStyle/>
+          <a:p>
+            <a:pPr algn="r">
+              <a:defRPr sz="1000">
+                <a:solidFill>
+                  <a:srgbClr val="808080"/>
+                </a:solidFill>
+              </a:defRPr>
+            </a:pPr>
+            <a:r>
+              <a:t>33</a:t>
+            </a:r>
+          </a:p>
+        </p:txBody>
+      </p:sp>
     </p:spTree>
   </p:cSld>
   <p:clrMapOvr>
@@ -7421,7 +8269,7 @@
               <a:defRPr sz="2000"/>
             </a:pPr>
             <a:r>
-              <a:t>Breast cancer is one of the deadliest diseases affecting women worldwide</a:t>
+              <a:t>Breast cancer is one of the deadliest diseases affecting women worldwide [2]</a:t>
             </a:r>
           </a:p>
           <a:p>
@@ -7492,7 +8340,7 @@
               <a:defRPr sz="2000"/>
             </a:pPr>
             <a:r>
-              <a:t>Our approach: Optimize both together using a nature-inspired algorithm</a:t>
+              <a:t>Our approach: Optimize both together using DIO [1]</a:t>
             </a:r>
           </a:p>
           <a:p>
@@ -7506,6 +8354,41 @@
             </a:pPr>
             <a:r>
               <a:t>This presentation tells the story of what we discovered—successes, failures, and lessons learned</a:t>
+            </a:r>
+          </a:p>
+        </p:txBody>
+      </p:sp>
+      <p:sp>
+        <p:nvSpPr>
+          <p:cNvPr id="4" name="TextBox 3"/>
+          <p:cNvSpPr txBox="1"/>
+          <p:nvPr/>
+        </p:nvSpPr>
+        <p:spPr>
+          <a:xfrm>
+            <a:off x="8229600" y="6400800"/>
+            <a:ext cx="731520" cy="365760"/>
+          </a:xfrm>
+          <a:prstGeom prst="rect">
+            <a:avLst/>
+          </a:prstGeom>
+          <a:noFill/>
+        </p:spPr>
+        <p:txBody>
+          <a:bodyPr wrap="none">
+            <a:spAutoFit/>
+          </a:bodyPr>
+          <a:lstStyle/>
+          <a:p>
+            <a:pPr algn="r">
+              <a:defRPr sz="1000">
+                <a:solidFill>
+                  <a:srgbClr val="808080"/>
+                </a:solidFill>
+              </a:defRPr>
+            </a:pPr>
+            <a:r>
+              <a:t>4</a:t>
             </a:r>
           </a:p>
         </p:txBody>
@@ -7618,6 +8501,41 @@
           </a:p>
         </p:txBody>
       </p:sp>
+      <p:sp>
+        <p:nvSpPr>
+          <p:cNvPr id="4" name="TextBox 3"/>
+          <p:cNvSpPr txBox="1"/>
+          <p:nvPr/>
+        </p:nvSpPr>
+        <p:spPr>
+          <a:xfrm>
+            <a:off x="8229600" y="6400800"/>
+            <a:ext cx="731520" cy="365760"/>
+          </a:xfrm>
+          <a:prstGeom prst="rect">
+            <a:avLst/>
+          </a:prstGeom>
+          <a:noFill/>
+        </p:spPr>
+        <p:txBody>
+          <a:bodyPr wrap="none">
+            <a:spAutoFit/>
+          </a:bodyPr>
+          <a:lstStyle/>
+          <a:p>
+            <a:pPr algn="r">
+              <a:defRPr sz="1000">
+                <a:solidFill>
+                  <a:srgbClr val="808080"/>
+                </a:solidFill>
+              </a:defRPr>
+            </a:pPr>
+            <a:r>
+              <a:t>5</a:t>
+            </a:r>
+          </a:p>
+        </p:txBody>
+      </p:sp>
     </p:spTree>
   </p:cSld>
   <p:clrMapOvr>
@@ -7676,7 +8594,7 @@
               <a:defRPr sz="2000"/>
             </a:pPr>
             <a:r>
-              <a:t>Created in 2025 by international researchers:</a:t>
+              <a:t>Created in 2025 by international researchers [1]:</a:t>
             </a:r>
           </a:p>
           <a:p>
@@ -7780,6 +8698,41 @@
             </a:pPr>
             <a:r>
               <a:t>Code is open-source: Available on GitHub and MATLAB File Exchange</a:t>
+            </a:r>
+          </a:p>
+        </p:txBody>
+      </p:sp>
+      <p:sp>
+        <p:nvSpPr>
+          <p:cNvPr id="4" name="TextBox 3"/>
+          <p:cNvSpPr txBox="1"/>
+          <p:nvPr/>
+        </p:nvSpPr>
+        <p:spPr>
+          <a:xfrm>
+            <a:off x="8229600" y="6400800"/>
+            <a:ext cx="731520" cy="365760"/>
+          </a:xfrm>
+          <a:prstGeom prst="rect">
+            <a:avLst/>
+          </a:prstGeom>
+          <a:noFill/>
+        </p:spPr>
+        <p:txBody>
+          <a:bodyPr wrap="none">
+            <a:spAutoFit/>
+          </a:bodyPr>
+          <a:lstStyle/>
+          <a:p>
+            <a:pPr algn="r">
+              <a:defRPr sz="1000">
+                <a:solidFill>
+                  <a:srgbClr val="808080"/>
+                </a:solidFill>
+              </a:defRPr>
+            </a:pPr>
+            <a:r>
+              <a:t>6</a:t>
             </a:r>
           </a:p>
         </p:txBody>
@@ -7960,6 +8913,41 @@
           </a:p>
         </p:txBody>
       </p:sp>
+      <p:sp>
+        <p:nvSpPr>
+          <p:cNvPr id="4" name="TextBox 3"/>
+          <p:cNvSpPr txBox="1"/>
+          <p:nvPr/>
+        </p:nvSpPr>
+        <p:spPr>
+          <a:xfrm>
+            <a:off x="8229600" y="6400800"/>
+            <a:ext cx="731520" cy="365760"/>
+          </a:xfrm>
+          <a:prstGeom prst="rect">
+            <a:avLst/>
+          </a:prstGeom>
+          <a:noFill/>
+        </p:spPr>
+        <p:txBody>
+          <a:bodyPr wrap="none">
+            <a:spAutoFit/>
+          </a:bodyPr>
+          <a:lstStyle/>
+          <a:p>
+            <a:pPr algn="r">
+              <a:defRPr sz="1000">
+                <a:solidFill>
+                  <a:srgbClr val="808080"/>
+                </a:solidFill>
+              </a:defRPr>
+            </a:pPr>
+            <a:r>
+              <a:t>7</a:t>
+            </a:r>
+          </a:p>
+        </p:txBody>
+      </p:sp>
     </p:spTree>
   </p:cSld>
   <p:clrMapOvr>
@@ -8113,6 +9101,41 @@
           </a:p>
         </p:txBody>
       </p:sp>
+      <p:sp>
+        <p:nvSpPr>
+          <p:cNvPr id="4" name="TextBox 3"/>
+          <p:cNvSpPr txBox="1"/>
+          <p:nvPr/>
+        </p:nvSpPr>
+        <p:spPr>
+          <a:xfrm>
+            <a:off x="8229600" y="6400800"/>
+            <a:ext cx="731520" cy="365760"/>
+          </a:xfrm>
+          <a:prstGeom prst="rect">
+            <a:avLst/>
+          </a:prstGeom>
+          <a:noFill/>
+        </p:spPr>
+        <p:txBody>
+          <a:bodyPr wrap="none">
+            <a:spAutoFit/>
+          </a:bodyPr>
+          <a:lstStyle/>
+          <a:p>
+            <a:pPr algn="r">
+              <a:defRPr sz="1000">
+                <a:solidFill>
+                  <a:srgbClr val="808080"/>
+                </a:solidFill>
+              </a:defRPr>
+            </a:pPr>
+            <a:r>
+              <a:t>8</a:t>
+            </a:r>
+          </a:p>
+        </p:txBody>
+      </p:sp>
     </p:spTree>
   </p:cSld>
   <p:clrMapOvr>
@@ -8272,6 +9295,41 @@
             </a:pPr>
             <a:r>
               <a:t>The beauty: Simple math, powerful results</a:t>
+            </a:r>
+          </a:p>
+        </p:txBody>
+      </p:sp>
+      <p:sp>
+        <p:nvSpPr>
+          <p:cNvPr id="4" name="TextBox 3"/>
+          <p:cNvSpPr txBox="1"/>
+          <p:nvPr/>
+        </p:nvSpPr>
+        <p:spPr>
+          <a:xfrm>
+            <a:off x="8229600" y="6400800"/>
+            <a:ext cx="731520" cy="365760"/>
+          </a:xfrm>
+          <a:prstGeom prst="rect">
+            <a:avLst/>
+          </a:prstGeom>
+          <a:noFill/>
+        </p:spPr>
+        <p:txBody>
+          <a:bodyPr wrap="none">
+            <a:spAutoFit/>
+          </a:bodyPr>
+          <a:lstStyle/>
+          <a:p>
+            <a:pPr algn="r">
+              <a:defRPr sz="1000">
+                <a:solidFill>
+                  <a:srgbClr val="808080"/>
+                </a:solidFill>
+              </a:defRPr>
+            </a:pPr>
+            <a:r>
+              <a:t>9</a:t>
             </a:r>
           </a:p>
         </p:txBody>

--- a/Presentation/DIO_Research_Presentation_v2.pptx
+++ b/Presentation/DIO_Research_Presentation_v2.pptx
@@ -6377,7 +6377,7 @@
               <a:defRPr sz="2000"/>
             </a:pPr>
             <a:r>
-              <a:t>  - DIO-optimized (598 features): 83.6% accuracy</a:t>
+              <a:t>  - DIO-optimized (598 features): 83.0% accuracy</a:t>
             </a:r>
           </a:p>
           <a:p>
@@ -6393,7 +6393,7 @@
               <a:defRPr sz="2000"/>
             </a:pPr>
             <a:r>
-              <a:t>  - Seemed like +2.8% improvement with 71% feature reduction</a:t>
+              <a:t>  - Seemed like +2.2% improvement with 70.8% feature reduction</a:t>
             </a:r>
           </a:p>
           <a:p>
@@ -6768,7 +6768,7 @@
               <a:defRPr sz="2000"/>
             </a:pPr>
             <a:r>
-              <a:t>  - Single-run results are deceptive (83.6% vs 80.8% looked good)</a:t>
+              <a:t>  - Single-run results are deceptive (83.0% vs 80.8% looked good)</a:t>
             </a:r>
           </a:p>
           <a:p>

--- a/Presentation/DIO_Research_Presentation_v2.pptx
+++ b/Presentation/DIO_Research_Presentation_v2.pptx
@@ -38,6 +38,8 @@
     <p:sldId id="286" r:id="rId37"/>
     <p:sldId id="287" r:id="rId38"/>
     <p:sldId id="288" r:id="rId39"/>
+    <p:sldId id="289" r:id="rId40"/>
+    <p:sldId id="290" r:id="rId41"/>
   </p:sldIdLst>
   <p:sldSz cx="9144000" cy="6858000" type="screen4x3"/>
   <p:notesSz cx="6858000" cy="9144000"/>
@@ -3661,9 +3663,64 @@
           </a:p>
         </p:txBody>
       </p:sp>
-      <p:sp>
-        <p:nvSpPr>
-          <p:cNvPr id="3" name="TextBox 2"/>
+      <p:pic>
+        <p:nvPicPr>
+          <p:cNvPr id="3" name="Picture 2" descr="schema1_cross_domain_framework.png"/>
+          <p:cNvPicPr>
+            <a:picLocks noChangeAspect="1"/>
+          </p:cNvPicPr>
+          <p:nvPr/>
+        </p:nvPicPr>
+        <p:blipFill>
+          <a:blip r:embed="rId2"/>
+          <a:stretch>
+            <a:fillRect/>
+          </a:stretch>
+        </p:blipFill>
+        <p:spPr>
+          <a:xfrm>
+            <a:off x="914400" y="1828800"/>
+            <a:ext cx="7315200" cy="14807858"/>
+          </a:xfrm>
+          <a:prstGeom prst="rect">
+            <a:avLst/>
+          </a:prstGeom>
+        </p:spPr>
+      </p:pic>
+      <p:sp>
+        <p:nvSpPr>
+          <p:cNvPr id="4" name="TextBox 3"/>
+          <p:cNvSpPr txBox="1"/>
+          <p:nvPr/>
+        </p:nvSpPr>
+        <p:spPr>
+          <a:xfrm>
+            <a:off x="457200" y="5943600"/>
+            <a:ext cx="8229600" cy="457200"/>
+          </a:xfrm>
+          <a:prstGeom prst="rect">
+            <a:avLst/>
+          </a:prstGeom>
+          <a:noFill/>
+        </p:spPr>
+        <p:txBody>
+          <a:bodyPr wrap="none">
+            <a:spAutoFit/>
+          </a:bodyPr>
+          <a:lstStyle/>
+          <a:p>
+            <a:pPr algn="ctr">
+              <a:defRPr sz="1400" i="1"/>
+            </a:pPr>
+            <a:r>
+              <a:t>Our implementation applies DIO to both medical diagnosis and computer vision</a:t>
+            </a:r>
+          </a:p>
+        </p:txBody>
+      </p:sp>
+      <p:sp>
+        <p:nvSpPr>
+          <p:cNvPr id="5" name="TextBox 4"/>
           <p:cNvSpPr txBox="1"/>
           <p:nvPr/>
         </p:nvSpPr>
@@ -4351,9 +4408,64 @@
           </a:p>
         </p:txBody>
       </p:sp>
-      <p:sp>
-        <p:nvSpPr>
-          <p:cNvPr id="3" name="TextBox 2"/>
+      <p:pic>
+        <p:nvPicPr>
+          <p:cNvPr id="3" name="Picture 2" descr="schema4_nested_optimization_structure.png"/>
+          <p:cNvPicPr>
+            <a:picLocks noChangeAspect="1"/>
+          </p:cNvPicPr>
+          <p:nvPr/>
+        </p:nvPicPr>
+        <p:blipFill>
+          <a:blip r:embed="rId2"/>
+          <a:stretch>
+            <a:fillRect/>
+          </a:stretch>
+        </p:blipFill>
+        <p:spPr>
+          <a:xfrm>
+            <a:off x="914400" y="1828800"/>
+            <a:ext cx="7315200" cy="10356863"/>
+          </a:xfrm>
+          <a:prstGeom prst="rect">
+            <a:avLst/>
+          </a:prstGeom>
+        </p:spPr>
+      </p:pic>
+      <p:sp>
+        <p:nvSpPr>
+          <p:cNvPr id="4" name="TextBox 3"/>
+          <p:cNvSpPr txBox="1"/>
+          <p:nvPr/>
+        </p:nvSpPr>
+        <p:spPr>
+          <a:xfrm>
+            <a:off x="457200" y="5943600"/>
+            <a:ext cx="8229600" cy="457200"/>
+          </a:xfrm>
+          <a:prstGeom prst="rect">
+            <a:avLst/>
+          </a:prstGeom>
+          <a:noFill/>
+        </p:spPr>
+        <p:txBody>
+          <a:bodyPr wrap="none">
+            <a:spAutoFit/>
+          </a:bodyPr>
+          <a:lstStyle/>
+          <a:p>
+            <a:pPr algn="ctr">
+              <a:defRPr sz="1400" i="1"/>
+            </a:pPr>
+            <a:r>
+              <a:t>Two-level optimization: Outer loop (hyperparameters) + Inner loop (features)</a:t>
+            </a:r>
+          </a:p>
+        </p:txBody>
+      </p:sp>
+      <p:sp>
+        <p:nvSpPr>
+          <p:cNvPr id="5" name="TextBox 4"/>
           <p:cNvSpPr txBox="1"/>
           <p:nvPr/>
         </p:nvSpPr>
@@ -4420,14 +4532,69 @@
           <a:lstStyle/>
           <a:p>
             <a:r>
-              <a:t>Feature Selection: Binary Encoding</a:t>
-            </a:r>
-          </a:p>
-        </p:txBody>
-      </p:sp>
-      <p:sp>
-        <p:nvSpPr>
-          <p:cNvPr id="3" name="TextBox 2"/>
+              <a:t>Fitness-Driven Optimization: The Complete Process</a:t>
+            </a:r>
+          </a:p>
+        </p:txBody>
+      </p:sp>
+      <p:pic>
+        <p:nvPicPr>
+          <p:cNvPr id="3" name="Picture 2" descr="schema5_fitness_driven_optimization.png"/>
+          <p:cNvPicPr>
+            <a:picLocks noChangeAspect="1"/>
+          </p:cNvPicPr>
+          <p:nvPr/>
+        </p:nvPicPr>
+        <p:blipFill>
+          <a:blip r:embed="rId2"/>
+          <a:stretch>
+            <a:fillRect/>
+          </a:stretch>
+        </p:blipFill>
+        <p:spPr>
+          <a:xfrm>
+            <a:off x="914400" y="1828800"/>
+            <a:ext cx="7315200" cy="10604810"/>
+          </a:xfrm>
+          <a:prstGeom prst="rect">
+            <a:avLst/>
+          </a:prstGeom>
+        </p:spPr>
+      </p:pic>
+      <p:sp>
+        <p:nvSpPr>
+          <p:cNvPr id="4" name="TextBox 3"/>
+          <p:cNvSpPr txBox="1"/>
+          <p:nvPr/>
+        </p:nvSpPr>
+        <p:spPr>
+          <a:xfrm>
+            <a:off x="457200" y="5943600"/>
+            <a:ext cx="8229600" cy="457200"/>
+          </a:xfrm>
+          <a:prstGeom prst="rect">
+            <a:avLst/>
+          </a:prstGeom>
+          <a:noFill/>
+        </p:spPr>
+        <p:txBody>
+          <a:bodyPr wrap="none">
+            <a:spAutoFit/>
+          </a:bodyPr>
+          <a:lstStyle/>
+          <a:p>
+            <a:pPr algn="ctr">
+              <a:defRPr sz="1400" i="1"/>
+            </a:pPr>
+            <a:r>
+              <a:t>How the fitness function drives both outer (hyperparameters) and inner (features) loops</a:t>
+            </a:r>
+          </a:p>
+        </p:txBody>
+      </p:sp>
+      <p:sp>
+        <p:nvSpPr>
+          <p:cNvPr id="5" name="TextBox 4"/>
           <p:cNvSpPr txBox="1"/>
           <p:nvPr/>
         </p:nvSpPr>
@@ -4734,6 +4901,22 @@
             <a:pPr>
               <a:defRPr sz="2000"/>
             </a:pPr>
+            <a:r>
+              <a:t>  - Configuration: 5 dholes/10 iterations (outer), 10 dholes/20 iterations (inner)</a:t>
+            </a:r>
+          </a:p>
+          <a:p>
+            <a:pPr>
+              <a:defRPr sz="2000"/>
+            </a:pPr>
+            <a:r>
+              <a:t>  - Total evaluations: ~10,000 (50 outer × 200 inner)</a:t>
+            </a:r>
+          </a:p>
+          <a:p>
+            <a:pPr>
+              <a:defRPr sz="2000"/>
+            </a:pPr>
           </a:p>
           <a:p>
             <a:pPr>
@@ -5345,6 +5528,30 @@
             <a:pPr>
               <a:defRPr sz="2000"/>
             </a:pPr>
+            <a:r>
+              <a:t>  - Configuration: 5 dholes/10 iterations (outer), 10 dholes/20 iterations (inner)</a:t>
+            </a:r>
+          </a:p>
+          <a:p>
+            <a:pPr>
+              <a:defRPr sz="2000"/>
+            </a:pPr>
+            <a:r>
+              <a:t>  - Total evaluations: ~10,000 (50 outer × 200 inner)</a:t>
+            </a:r>
+          </a:p>
+          <a:p>
+            <a:pPr>
+              <a:defRPr sz="2000"/>
+            </a:pPr>
+            <a:r>
+              <a:t>  - Only 54 seconds optimization time!</a:t>
+            </a:r>
+          </a:p>
+          <a:p>
+            <a:pPr>
+              <a:defRPr sz="2000"/>
+            </a:pPr>
           </a:p>
           <a:p>
             <a:pPr>
@@ -5568,14 +5775,69 @@
           <a:lstStyle/>
           <a:p>
             <a:r>
-              <a:t>2.3.4 Medical Results: All Three Approaches</a:t>
-            </a:r>
-          </a:p>
-        </p:txBody>
-      </p:sp>
-      <p:sp>
-        <p:nvSpPr>
-          <p:cNvPr id="3" name="TextBox 2"/>
+              <a:t>2.3.4 Medical Results: Three Approaches Compared</a:t>
+            </a:r>
+          </a:p>
+        </p:txBody>
+      </p:sp>
+      <p:pic>
+        <p:nvPicPr>
+          <p:cNvPr id="3" name="Picture 2" descr="schema6_three_approaches_evolution.png"/>
+          <p:cNvPicPr>
+            <a:picLocks noChangeAspect="1"/>
+          </p:cNvPicPr>
+          <p:nvPr/>
+        </p:nvPicPr>
+        <p:blipFill>
+          <a:blip r:embed="rId2"/>
+          <a:stretch>
+            <a:fillRect/>
+          </a:stretch>
+        </p:blipFill>
+        <p:spPr>
+          <a:xfrm>
+            <a:off x="914400" y="1828800"/>
+            <a:ext cx="7315200" cy="9135572"/>
+          </a:xfrm>
+          <a:prstGeom prst="rect">
+            <a:avLst/>
+          </a:prstGeom>
+        </p:spPr>
+      </p:pic>
+      <p:sp>
+        <p:nvSpPr>
+          <p:cNvPr id="4" name="TextBox 3"/>
+          <p:cNvSpPr txBox="1"/>
+          <p:nvPr/>
+        </p:nvSpPr>
+        <p:spPr>
+          <a:xfrm>
+            <a:off x="457200" y="5943600"/>
+            <a:ext cx="8229600" cy="457200"/>
+          </a:xfrm>
+          <a:prstGeom prst="rect">
+            <a:avLst/>
+          </a:prstGeom>
+          <a:noFill/>
+        </p:spPr>
+        <p:txBody>
+          <a:bodyPr wrap="none">
+            <a:spAutoFit/>
+          </a:bodyPr>
+          <a:lstStyle/>
+          <a:p>
+            <a:pPr algn="ctr">
+              <a:defRPr sz="1400" i="1"/>
+            </a:pPr>
+            <a:r>
+              <a:t>Evolution from RF Single-Split (failed) → RF-CV (fixed) → XGBoost (best)</a:t>
+            </a:r>
+          </a:p>
+        </p:txBody>
+      </p:sp>
+      <p:sp>
+        <p:nvSpPr>
+          <p:cNvPr id="5" name="TextBox 4"/>
           <p:cNvSpPr txBox="1"/>
           <p:nvPr/>
         </p:nvSpPr>
@@ -5642,167 +5904,69 @@
           <a:lstStyle/>
           <a:p>
             <a:r>
-              <a:t>Summary: Three Validated Approaches</a:t>
-            </a:r>
-          </a:p>
-        </p:txBody>
-      </p:sp>
-      <p:sp>
-        <p:nvSpPr>
-          <p:cNvPr id="3" name="Content Placeholder 2"/>
-          <p:cNvSpPr>
-            <a:spLocks noGrp="1"/>
-          </p:cNvSpPr>
-          <p:nvPr>
-            <p:ph idx="1"/>
-          </p:nvPr>
-        </p:nvSpPr>
-        <p:spPr/>
-        <p:txBody>
-          <a:bodyPr/>
-          <a:lstStyle/>
-          <a:p>
-            <a:pPr>
-              <a:defRPr sz="2000"/>
-            </a:pPr>
-            <a:r>
-              <a:t>Summary of Medical Domain Results (30-run averages):</a:t>
-            </a:r>
-          </a:p>
-          <a:p>
-            <a:pPr>
-              <a:defRPr sz="2000"/>
-            </a:pPr>
-          </a:p>
-          <a:p>
-            <a:pPr>
-              <a:defRPr sz="2000"/>
-            </a:pPr>
-            <a:r>
-              <a:t>❌ Approach 1: DIO-RF Single Split</a:t>
-            </a:r>
-          </a:p>
-          <a:p>
-            <a:pPr>
-              <a:defRPr sz="2000"/>
-            </a:pPr>
-            <a:r>
-              <a:t>  - Accuracy: 94.37% ± 1.82%  |  Features: 8  |  Rank: #6</a:t>
-            </a:r>
-          </a:p>
-          <a:p>
-            <a:pPr>
-              <a:defRPr sz="2000"/>
-            </a:pPr>
-            <a:r>
-              <a:t>  - Problem: Optimization overfitting</a:t>
-            </a:r>
-          </a:p>
-          <a:p>
-            <a:pPr>
-              <a:defRPr sz="2000"/>
-            </a:pPr>
-          </a:p>
-          <a:p>
-            <a:pPr>
-              <a:defRPr sz="2000"/>
-            </a:pPr>
-            <a:r>
-              <a:t>✓ Approach 2: DIO-RF with Cross-Validation</a:t>
-            </a:r>
-          </a:p>
-          <a:p>
-            <a:pPr>
-              <a:defRPr sz="2000"/>
-            </a:pPr>
-            <a:r>
-              <a:t>  - Accuracy: 96.55% ± 1.51%  |  Features: 6  |  Rank: #1</a:t>
-            </a:r>
-          </a:p>
-          <a:p>
-            <a:pPr>
-              <a:defRPr sz="2000"/>
-            </a:pPr>
-            <a:r>
-              <a:t>  - Solution: CV prevents overfitting, achieves 80% feature reduction</a:t>
-            </a:r>
-          </a:p>
-          <a:p>
-            <a:pPr>
-              <a:defRPr sz="2000"/>
-            </a:pPr>
-          </a:p>
-          <a:p>
-            <a:pPr>
-              <a:defRPr sz="2000"/>
-            </a:pPr>
-            <a:r>
-              <a:t>🏆 Approach 3: DIO-XGBoost (Winner)</a:t>
-            </a:r>
-          </a:p>
-          <a:p>
-            <a:pPr>
-              <a:defRPr sz="2000"/>
-            </a:pPr>
-            <a:r>
-              <a:t>  - Accuracy: 96.88% ± 1.10%  |  Features: 10  |  Rank: #1</a:t>
-            </a:r>
-          </a:p>
-          <a:p>
-            <a:pPr>
-              <a:defRPr sz="2000"/>
-            </a:pPr>
-            <a:r>
-              <a:t>  - Best: Highest accuracy, lowest variance, significantly better than defaults</a:t>
-            </a:r>
-          </a:p>
-          <a:p>
-            <a:pPr>
-              <a:defRPr sz="2000"/>
-            </a:pPr>
-          </a:p>
-          <a:p>
-            <a:pPr>
-              <a:defRPr sz="2000"/>
-            </a:pPr>
-            <a:r>
-              <a:t>Baseline comparisons for context:</a:t>
-            </a:r>
-          </a:p>
-          <a:p>
-            <a:pPr>
-              <a:defRPr sz="2000"/>
-            </a:pPr>
-            <a:r>
-              <a:t>  - RF Default (30 features): 94.89% ± 1.47%</a:t>
-            </a:r>
-          </a:p>
-          <a:p>
-            <a:pPr>
-              <a:defRPr sz="2000"/>
-            </a:pPr>
-            <a:r>
-              <a:t>  - XGBoost Default (30 features): 94.74% ± 1.55%</a:t>
-            </a:r>
-          </a:p>
-          <a:p>
-            <a:pPr>
-              <a:defRPr sz="2000"/>
-            </a:pPr>
-          </a:p>
-          <a:p>
-            <a:pPr>
-              <a:defRPr sz="2000"/>
-            </a:pPr>
-            <a:r>
-              <a:t>Key insight: Algorithm robustness determines whether CV is needed during optimization</a:t>
-            </a:r>
-          </a:p>
-        </p:txBody>
-      </p:sp>
+              <a:t>Algorithm-Dependent Optimization Overfitting</a:t>
+            </a:r>
+          </a:p>
+        </p:txBody>
+      </p:sp>
+      <p:pic>
+        <p:nvPicPr>
+          <p:cNvPr id="3" name="Picture 2" descr="schema2_algorithm_dependent_overfitting.png"/>
+          <p:cNvPicPr>
+            <a:picLocks noChangeAspect="1"/>
+          </p:cNvPicPr>
+          <p:nvPr/>
+        </p:nvPicPr>
+        <p:blipFill>
+          <a:blip r:embed="rId2"/>
+          <a:stretch>
+            <a:fillRect/>
+          </a:stretch>
+        </p:blipFill>
+        <p:spPr>
+          <a:xfrm>
+            <a:off x="914400" y="1828800"/>
+            <a:ext cx="7315200" cy="4736399"/>
+          </a:xfrm>
+          <a:prstGeom prst="rect">
+            <a:avLst/>
+          </a:prstGeom>
+        </p:spPr>
+      </p:pic>
       <p:sp>
         <p:nvSpPr>
           <p:cNvPr id="4" name="TextBox 3"/>
+          <p:cNvSpPr txBox="1"/>
+          <p:nvPr/>
+        </p:nvSpPr>
+        <p:spPr>
+          <a:xfrm>
+            <a:off x="457200" y="5943600"/>
+            <a:ext cx="8229600" cy="457200"/>
+          </a:xfrm>
+          <a:prstGeom prst="rect">
+            <a:avLst/>
+          </a:prstGeom>
+          <a:noFill/>
+        </p:spPr>
+        <p:txBody>
+          <a:bodyPr wrap="none">
+            <a:spAutoFit/>
+          </a:bodyPr>
+          <a:lstStyle/>
+          <a:p>
+            <a:pPr algn="ctr">
+              <a:defRPr sz="1400" i="1"/>
+            </a:pPr>
+            <a:r>
+              <a:t>Why RF needs CV but XGBoost doesn't - our key research contribution</a:t>
+            </a:r>
+          </a:p>
+        </p:txBody>
+      </p:sp>
+      <p:sp>
+        <p:nvSpPr>
+          <p:cNvPr id="5" name="TextBox 4"/>
           <p:cNvSpPr txBox="1"/>
           <p:nvPr/>
         </p:nvSpPr>
@@ -5869,7 +6033,7 @@
           <a:lstStyle/>
           <a:p>
             <a:r>
-              <a:t>2.3.5 Statistical Rigor: Wilcoxon Signed-Rank Test [7]</a:t>
+              <a:t>Summary: Three Validated Approaches</a:t>
             </a:r>
           </a:p>
         </p:txBody>
@@ -5893,155 +6057,136 @@
               <a:defRPr sz="2000"/>
             </a:pPr>
             <a:r>
-              <a:t>30 runs give us averages—but are differences real or just luck?</a:t>
-            </a:r>
-          </a:p>
-          <a:p>
-            <a:pPr>
-              <a:defRPr sz="2000"/>
-            </a:pPr>
-          </a:p>
-          <a:p>
-            <a:pPr>
-              <a:defRPr sz="2000"/>
-            </a:pPr>
-            <a:r>
-              <a:t>Wilcoxon Signed-Rank Test:</a:t>
-            </a:r>
-          </a:p>
-          <a:p>
-            <a:pPr>
-              <a:defRPr sz="2000"/>
-            </a:pPr>
-            <a:r>
-              <a:t>  - Non-parametric test (doesn't assume normal distributions)</a:t>
-            </a:r>
-          </a:p>
-          <a:p>
-            <a:pPr>
-              <a:defRPr sz="2000"/>
-            </a:pPr>
-            <a:r>
-              <a:t>  - Compares paired samples (same data splits for fairness)</a:t>
-            </a:r>
-          </a:p>
-          <a:p>
-            <a:pPr>
-              <a:defRPr sz="2000"/>
-            </a:pPr>
-            <a:r>
-              <a:t>  - Null hypothesis: 'No real difference between methods'</a:t>
-            </a:r>
-          </a:p>
-          <a:p>
-            <a:pPr>
-              <a:defRPr sz="2000"/>
-            </a:pPr>
-          </a:p>
-          <a:p>
-            <a:pPr>
-              <a:defRPr sz="2000"/>
-            </a:pPr>
-            <a:r>
-              <a:t>Results for DIO-XGBoost vs baselines:</a:t>
-            </a:r>
-          </a:p>
-          <a:p>
-            <a:pPr>
-              <a:defRPr sz="2000"/>
-            </a:pPr>
-            <a:r>
-              <a:t>  - vs XGBoost Default: p = 0.0426 (*) → Significant improvement</a:t>
-            </a:r>
-          </a:p>
-          <a:p>
-            <a:pPr>
-              <a:defRPr sz="2000"/>
-            </a:pPr>
-            <a:r>
-              <a:t>  - Mean difference: +1.60% accuracy</a:t>
-            </a:r>
-          </a:p>
-          <a:p>
-            <a:pPr>
-              <a:defRPr sz="2000"/>
-            </a:pPr>
-            <a:r>
-              <a:t>  - vs RF Default: p &lt; 0.001 (***) → Highly significant improvement</a:t>
-            </a:r>
-          </a:p>
-          <a:p>
-            <a:pPr>
-              <a:defRPr sz="2000"/>
-            </a:pPr>
-          </a:p>
-          <a:p>
-            <a:pPr>
-              <a:defRPr sz="2000"/>
-            </a:pPr>
-            <a:r>
-              <a:t>Results for DIO-RF-CV vs DIO-RF-Single:</a:t>
-            </a:r>
-          </a:p>
-          <a:p>
-            <a:pPr>
-              <a:defRPr sz="2000"/>
-            </a:pPr>
-            <a:r>
-              <a:t>  - p &lt; 0.001 (***) → Cross-validation dramatically better</a:t>
-            </a:r>
-          </a:p>
-          <a:p>
-            <a:pPr>
-              <a:defRPr sz="2000"/>
-            </a:pPr>
-            <a:r>
-              <a:t>  - Confirms CV is essential for RF optimization</a:t>
-            </a:r>
-          </a:p>
-          <a:p>
-            <a:pPr>
-              <a:defRPr sz="2000"/>
-            </a:pPr>
-          </a:p>
-          <a:p>
-            <a:pPr>
-              <a:defRPr sz="2000"/>
-            </a:pPr>
-            <a:r>
-              <a:t>Significance levels:</a:t>
-            </a:r>
-          </a:p>
-          <a:p>
-            <a:pPr>
-              <a:defRPr sz="2000"/>
-            </a:pPr>
-            <a:r>
-              <a:t>  * p &lt; 0.05 (significant)</a:t>
-            </a:r>
-          </a:p>
-          <a:p>
-            <a:pPr>
-              <a:defRPr sz="2000"/>
-            </a:pPr>
-            <a:r>
-              <a:t>  ** p &lt; 0.01 (very significant)</a:t>
-            </a:r>
-          </a:p>
-          <a:p>
-            <a:pPr>
-              <a:defRPr sz="2000"/>
-            </a:pPr>
-            <a:r>
-              <a:t>  *** p &lt; 0.001 (extremely significant)</a:t>
-            </a:r>
-          </a:p>
-          <a:p>
-            <a:pPr>
-              <a:defRPr sz="2000"/>
-            </a:pPr>
-            <a:r>
-              <a:t>  ns = not significant (could be chance)</a:t>
+              <a:t>Summary of Medical Domain Results (30-run averages):</a:t>
+            </a:r>
+          </a:p>
+          <a:p>
+            <a:pPr>
+              <a:defRPr sz="2000"/>
+            </a:pPr>
+          </a:p>
+          <a:p>
+            <a:pPr>
+              <a:defRPr sz="2000"/>
+            </a:pPr>
+            <a:r>
+              <a:t>❌ Approach 1: DIO-RF Single Split</a:t>
+            </a:r>
+          </a:p>
+          <a:p>
+            <a:pPr>
+              <a:defRPr sz="2000"/>
+            </a:pPr>
+            <a:r>
+              <a:t>  - Accuracy: 94.37% ± 1.82%  |  Features: 8  |  Rank: #6</a:t>
+            </a:r>
+          </a:p>
+          <a:p>
+            <a:pPr>
+              <a:defRPr sz="2000"/>
+            </a:pPr>
+            <a:r>
+              <a:t>  - Problem: Optimization overfitting</a:t>
+            </a:r>
+          </a:p>
+          <a:p>
+            <a:pPr>
+              <a:defRPr sz="2000"/>
+            </a:pPr>
+          </a:p>
+          <a:p>
+            <a:pPr>
+              <a:defRPr sz="2000"/>
+            </a:pPr>
+            <a:r>
+              <a:t>✓ Approach 2: DIO-RF with Cross-Validation</a:t>
+            </a:r>
+          </a:p>
+          <a:p>
+            <a:pPr>
+              <a:defRPr sz="2000"/>
+            </a:pPr>
+            <a:r>
+              <a:t>  - Accuracy: 96.55% ± 1.51%  |  Features: 6  |  Rank: #1</a:t>
+            </a:r>
+          </a:p>
+          <a:p>
+            <a:pPr>
+              <a:defRPr sz="2000"/>
+            </a:pPr>
+            <a:r>
+              <a:t>  - Solution: CV prevents overfitting, achieves 80% feature reduction</a:t>
+            </a:r>
+          </a:p>
+          <a:p>
+            <a:pPr>
+              <a:defRPr sz="2000"/>
+            </a:pPr>
+          </a:p>
+          <a:p>
+            <a:pPr>
+              <a:defRPr sz="2000"/>
+            </a:pPr>
+            <a:r>
+              <a:t>🏆 Approach 3: DIO-XGBoost (Winner)</a:t>
+            </a:r>
+          </a:p>
+          <a:p>
+            <a:pPr>
+              <a:defRPr sz="2000"/>
+            </a:pPr>
+            <a:r>
+              <a:t>  - Accuracy: 96.88% ± 1.10%  |  Features: 10  |  Rank: #1</a:t>
+            </a:r>
+          </a:p>
+          <a:p>
+            <a:pPr>
+              <a:defRPr sz="2000"/>
+            </a:pPr>
+            <a:r>
+              <a:t>  - Best: Highest accuracy, lowest variance, significantly better than defaults</a:t>
+            </a:r>
+          </a:p>
+          <a:p>
+            <a:pPr>
+              <a:defRPr sz="2000"/>
+            </a:pPr>
+          </a:p>
+          <a:p>
+            <a:pPr>
+              <a:defRPr sz="2000"/>
+            </a:pPr>
+            <a:r>
+              <a:t>Baseline comparisons for context:</a:t>
+            </a:r>
+          </a:p>
+          <a:p>
+            <a:pPr>
+              <a:defRPr sz="2000"/>
+            </a:pPr>
+            <a:r>
+              <a:t>  - RF Default (30 features): 94.89% ± 1.47%</a:t>
+            </a:r>
+          </a:p>
+          <a:p>
+            <a:pPr>
+              <a:defRPr sz="2000"/>
+            </a:pPr>
+            <a:r>
+              <a:t>  - XGBoost Default (30 features): 94.74% ± 1.55%</a:t>
+            </a:r>
+          </a:p>
+          <a:p>
+            <a:pPr>
+              <a:defRPr sz="2000"/>
+            </a:pPr>
+          </a:p>
+          <a:p>
+            <a:pPr>
+              <a:defRPr sz="2000"/>
+            </a:pPr>
+            <a:r>
+              <a:t>Key insight: Algorithm robustness determines whether CV is needed during optimization</a:t>
             </a:r>
           </a:p>
         </p:txBody>
@@ -6115,7 +6260,7 @@
           <a:lstStyle/>
           <a:p>
             <a:r>
-              <a:t>2.4 Computer Vision Domain: CIFAR-10</a:t>
+              <a:t>2.3.5 Statistical Rigor: Wilcoxon Signed-Rank Test [7]</a:t>
             </a:r>
           </a:p>
         </p:txBody>
@@ -6139,126 +6284,155 @@
               <a:defRPr sz="2000"/>
             </a:pPr>
             <a:r>
-              <a:t>Can DIO work beyond medical data? Let's test on images</a:t>
-            </a:r>
-          </a:p>
-          <a:p>
-            <a:pPr>
-              <a:defRPr sz="2000"/>
-            </a:pPr>
-          </a:p>
-          <a:p>
-            <a:pPr>
-              <a:defRPr sz="2000"/>
-            </a:pPr>
-            <a:r>
-              <a:t>CIFAR-10 Dataset [3]:</a:t>
-            </a:r>
-          </a:p>
-          <a:p>
-            <a:pPr>
-              <a:defRPr sz="2000"/>
-            </a:pPr>
-            <a:r>
-              <a:t>  - 60,000 natural images (32×32 pixels, color)</a:t>
-            </a:r>
-          </a:p>
-          <a:p>
-            <a:pPr>
-              <a:defRPr sz="2000"/>
-            </a:pPr>
-            <a:r>
-              <a:t>  - 10 classes: airplane, car, bird, cat, deer, dog, frog, horse, ship, truck</a:t>
-            </a:r>
-          </a:p>
-          <a:p>
-            <a:pPr>
-              <a:defRPr sz="2000"/>
-            </a:pPr>
-            <a:r>
-              <a:t>  - Standard benchmark in computer vision research</a:t>
-            </a:r>
-          </a:p>
-          <a:p>
-            <a:pPr>
-              <a:defRPr sz="2000"/>
-            </a:pPr>
-          </a:p>
-          <a:p>
-            <a:pPr>
-              <a:defRPr sz="2000"/>
-            </a:pPr>
-            <a:r>
-              <a:t>Our approach:</a:t>
-            </a:r>
-          </a:p>
-          <a:p>
-            <a:pPr>
-              <a:defRPr sz="2000"/>
-            </a:pPr>
-            <a:r>
-              <a:t>  - Used ResNet50 [4] (pretrained on ImageNet) to extract features</a:t>
-            </a:r>
-          </a:p>
-          <a:p>
-            <a:pPr>
-              <a:defRPr sz="2000"/>
-            </a:pPr>
-            <a:r>
-              <a:t>  - Converted images → 2048-dimensional feature vectors</a:t>
-            </a:r>
-          </a:p>
-          <a:p>
-            <a:pPr>
-              <a:defRPr sz="2000"/>
-            </a:pPr>
-            <a:r>
-              <a:t>  - Computational subset: 2,500 images (2000 train, 500 test)</a:t>
-            </a:r>
-          </a:p>
-          <a:p>
-            <a:pPr>
-              <a:defRPr sz="2000"/>
-            </a:pPr>
-            <a:r>
-              <a:t>  - Applied DIO-XGBoost optimization</a:t>
-            </a:r>
-          </a:p>
-          <a:p>
-            <a:pPr>
-              <a:defRPr sz="2000"/>
-            </a:pPr>
-          </a:p>
-          <a:p>
-            <a:pPr>
-              <a:defRPr sz="2000"/>
-            </a:pPr>
-            <a:r>
-              <a:t>The massive challenge:</a:t>
-            </a:r>
-          </a:p>
-          <a:p>
-            <a:pPr>
-              <a:defRPr sz="2000"/>
-            </a:pPr>
-            <a:r>
-              <a:t>  - Medical: 30 features (search space size)</a:t>
-            </a:r>
-          </a:p>
-          <a:p>
-            <a:pPr>
-              <a:defRPr sz="2000"/>
-            </a:pPr>
-            <a:r>
-              <a:t>  - Vision: 2048 features (68× larger!)</a:t>
-            </a:r>
-          </a:p>
-          <a:p>
-            <a:pPr>
-              <a:defRPr sz="2000"/>
-            </a:pPr>
-            <a:r>
-              <a:t>  - Much harder to optimize—needs way more computation</a:t>
+              <a:t>30 runs give us averages—but are differences real or just luck?</a:t>
+            </a:r>
+          </a:p>
+          <a:p>
+            <a:pPr>
+              <a:defRPr sz="2000"/>
+            </a:pPr>
+          </a:p>
+          <a:p>
+            <a:pPr>
+              <a:defRPr sz="2000"/>
+            </a:pPr>
+            <a:r>
+              <a:t>Wilcoxon Signed-Rank Test:</a:t>
+            </a:r>
+          </a:p>
+          <a:p>
+            <a:pPr>
+              <a:defRPr sz="2000"/>
+            </a:pPr>
+            <a:r>
+              <a:t>  - Non-parametric test (doesn't assume normal distributions)</a:t>
+            </a:r>
+          </a:p>
+          <a:p>
+            <a:pPr>
+              <a:defRPr sz="2000"/>
+            </a:pPr>
+            <a:r>
+              <a:t>  - Compares paired samples (same data splits for fairness)</a:t>
+            </a:r>
+          </a:p>
+          <a:p>
+            <a:pPr>
+              <a:defRPr sz="2000"/>
+            </a:pPr>
+            <a:r>
+              <a:t>  - Null hypothesis: 'No real difference between methods'</a:t>
+            </a:r>
+          </a:p>
+          <a:p>
+            <a:pPr>
+              <a:defRPr sz="2000"/>
+            </a:pPr>
+          </a:p>
+          <a:p>
+            <a:pPr>
+              <a:defRPr sz="2000"/>
+            </a:pPr>
+            <a:r>
+              <a:t>Results for DIO-XGBoost vs baselines:</a:t>
+            </a:r>
+          </a:p>
+          <a:p>
+            <a:pPr>
+              <a:defRPr sz="2000"/>
+            </a:pPr>
+            <a:r>
+              <a:t>  - vs XGBoost Default: p = 0.0426 (*) → Significant improvement</a:t>
+            </a:r>
+          </a:p>
+          <a:p>
+            <a:pPr>
+              <a:defRPr sz="2000"/>
+            </a:pPr>
+            <a:r>
+              <a:t>  - Mean difference: +1.60% accuracy</a:t>
+            </a:r>
+          </a:p>
+          <a:p>
+            <a:pPr>
+              <a:defRPr sz="2000"/>
+            </a:pPr>
+            <a:r>
+              <a:t>  - vs RF Default: p &lt; 0.001 (***) → Highly significant improvement</a:t>
+            </a:r>
+          </a:p>
+          <a:p>
+            <a:pPr>
+              <a:defRPr sz="2000"/>
+            </a:pPr>
+          </a:p>
+          <a:p>
+            <a:pPr>
+              <a:defRPr sz="2000"/>
+            </a:pPr>
+            <a:r>
+              <a:t>Results for DIO-RF-CV vs DIO-RF-Single:</a:t>
+            </a:r>
+          </a:p>
+          <a:p>
+            <a:pPr>
+              <a:defRPr sz="2000"/>
+            </a:pPr>
+            <a:r>
+              <a:t>  - p &lt; 0.001 (***) → Cross-validation dramatically better</a:t>
+            </a:r>
+          </a:p>
+          <a:p>
+            <a:pPr>
+              <a:defRPr sz="2000"/>
+            </a:pPr>
+            <a:r>
+              <a:t>  - Confirms CV is essential for RF optimization</a:t>
+            </a:r>
+          </a:p>
+          <a:p>
+            <a:pPr>
+              <a:defRPr sz="2000"/>
+            </a:pPr>
+          </a:p>
+          <a:p>
+            <a:pPr>
+              <a:defRPr sz="2000"/>
+            </a:pPr>
+            <a:r>
+              <a:t>Significance levels:</a:t>
+            </a:r>
+          </a:p>
+          <a:p>
+            <a:pPr>
+              <a:defRPr sz="2000"/>
+            </a:pPr>
+            <a:r>
+              <a:t>  * p &lt; 0.05 (significant)</a:t>
+            </a:r>
+          </a:p>
+          <a:p>
+            <a:pPr>
+              <a:defRPr sz="2000"/>
+            </a:pPr>
+            <a:r>
+              <a:t>  ** p &lt; 0.01 (very significant)</a:t>
+            </a:r>
+          </a:p>
+          <a:p>
+            <a:pPr>
+              <a:defRPr sz="2000"/>
+            </a:pPr>
+            <a:r>
+              <a:t>  *** p &lt; 0.001 (extremely significant)</a:t>
+            </a:r>
+          </a:p>
+          <a:p>
+            <a:pPr>
+              <a:defRPr sz="2000"/>
+            </a:pPr>
+            <a:r>
+              <a:t>  ns = not significant (could be chance)</a:t>
             </a:r>
           </a:p>
         </p:txBody>
@@ -6332,7 +6506,7 @@
           <a:lstStyle/>
           <a:p>
             <a:r>
-              <a:t>2.4.1 CIFAR-10 Results: When Budget Isn't Enough</a:t>
+              <a:t>2.4 Computer Vision Domain: CIFAR-10</a:t>
             </a:r>
           </a:p>
         </p:txBody>
@@ -6356,152 +6530,126 @@
               <a:defRPr sz="2000"/>
             </a:pPr>
             <a:r>
-              <a:t>We ran the same DIO-XGBoost optimization on CIFAR-10</a:t>
-            </a:r>
-          </a:p>
-          <a:p>
-            <a:pPr>
-              <a:defRPr sz="2000"/>
-            </a:pPr>
-          </a:p>
-          <a:p>
-            <a:pPr>
-              <a:defRPr sz="2000"/>
-            </a:pPr>
-            <a:r>
-              <a:t>Single-run result looked okay:</a:t>
-            </a:r>
-          </a:p>
-          <a:p>
-            <a:pPr>
-              <a:defRPr sz="2000"/>
-            </a:pPr>
-            <a:r>
-              <a:t>  - DIO-optimized (598 features): 83.0% accuracy</a:t>
-            </a:r>
-          </a:p>
-          <a:p>
-            <a:pPr>
-              <a:defRPr sz="2000"/>
-            </a:pPr>
-            <a:r>
-              <a:t>  - Baseline (all 2048 features): 80.8% accuracy</a:t>
-            </a:r>
-          </a:p>
-          <a:p>
-            <a:pPr>
-              <a:defRPr sz="2000"/>
-            </a:pPr>
-            <a:r>
-              <a:t>  - Seemed like +2.2% improvement with 70.8% feature reduction</a:t>
-            </a:r>
-          </a:p>
-          <a:p>
-            <a:pPr>
-              <a:defRPr sz="2000"/>
-            </a:pPr>
-          </a:p>
-          <a:p>
-            <a:pPr>
-              <a:defRPr sz="2000"/>
-            </a:pPr>
-            <a:r>
-              <a:t>But then came the 30-run statistical validation...</a:t>
-            </a:r>
-          </a:p>
-          <a:p>
-            <a:pPr>
-              <a:defRPr sz="2000"/>
-            </a:pPr>
-          </a:p>
-          <a:p>
-            <a:pPr>
-              <a:defRPr sz="2000"/>
-            </a:pPr>
-            <a:r>
-              <a:t>The disappointing truth:</a:t>
-            </a:r>
-          </a:p>
-          <a:p>
-            <a:pPr>
-              <a:defRPr sz="2000"/>
-            </a:pPr>
-            <a:r>
-              <a:t>  - DIO-XGBoost: 81.91% ± 1.38%  (Rank #3)</a:t>
-            </a:r>
-          </a:p>
-          <a:p>
-            <a:pPr>
-              <a:defRPr sz="2000"/>
-            </a:pPr>
-            <a:r>
-              <a:t>  - XGBoost Default: 83.27% ± 1.25%  (Rank #1) ← Actually BETTER</a:t>
-            </a:r>
-          </a:p>
-          <a:p>
-            <a:pPr>
-              <a:defRPr sz="2000"/>
-            </a:pPr>
-            <a:r>
-              <a:t>  - Wilcoxon test: p = 7.15×10⁻⁵ (***) → Highly significant WORSE</a:t>
-            </a:r>
-          </a:p>
-          <a:p>
-            <a:pPr>
-              <a:defRPr sz="2000"/>
-            </a:pPr>
-          </a:p>
-          <a:p>
-            <a:pPr>
-              <a:defRPr sz="2000"/>
-            </a:pPr>
-            <a:r>
-              <a:t>What went wrong? Insufficient optimization budget:</a:t>
-            </a:r>
-          </a:p>
-          <a:p>
-            <a:pPr>
-              <a:defRPr sz="2000"/>
-            </a:pPr>
-            <a:r>
-              <a:t>  - Medical: 30-D space, 250-576 function evaluations → SUCCESS</a:t>
-            </a:r>
-          </a:p>
-          <a:p>
-            <a:pPr>
-              <a:defRPr sz="2000"/>
-            </a:pPr>
-            <a:r>
-              <a:t>  - Vision: 2048-D space, 576 function evaluations → FAILURE</a:t>
-            </a:r>
-          </a:p>
-          <a:p>
-            <a:pPr>
-              <a:defRPr sz="2000"/>
-            </a:pPr>
-            <a:r>
-              <a:t>  - Budget didn't scale with dimensionality</a:t>
-            </a:r>
-          </a:p>
-          <a:p>
-            <a:pPr>
-              <a:defRPr sz="2000"/>
-            </a:pPr>
-            <a:r>
-              <a:t>  - Need ~10,000-50,000 evaluations for 2048-D (17-87× more)</a:t>
-            </a:r>
-          </a:p>
-          <a:p>
-            <a:pPr>
-              <a:defRPr sz="2000"/>
-            </a:pPr>
-          </a:p>
-          <a:p>
-            <a:pPr>
-              <a:defRPr sz="2000"/>
-            </a:pPr>
-            <a:r>
-              <a:t>Optimization overfitting strikes again—even XGBoost can't overcome severe under-budgeting</a:t>
+              <a:t>Can DIO work beyond medical data? Let's test on images</a:t>
+            </a:r>
+          </a:p>
+          <a:p>
+            <a:pPr>
+              <a:defRPr sz="2000"/>
+            </a:pPr>
+          </a:p>
+          <a:p>
+            <a:pPr>
+              <a:defRPr sz="2000"/>
+            </a:pPr>
+            <a:r>
+              <a:t>CIFAR-10 Dataset [3]:</a:t>
+            </a:r>
+          </a:p>
+          <a:p>
+            <a:pPr>
+              <a:defRPr sz="2000"/>
+            </a:pPr>
+            <a:r>
+              <a:t>  - 60,000 natural images (32×32 pixels, color)</a:t>
+            </a:r>
+          </a:p>
+          <a:p>
+            <a:pPr>
+              <a:defRPr sz="2000"/>
+            </a:pPr>
+            <a:r>
+              <a:t>  - 10 classes: airplane, car, bird, cat, deer, dog, frog, horse, ship, truck</a:t>
+            </a:r>
+          </a:p>
+          <a:p>
+            <a:pPr>
+              <a:defRPr sz="2000"/>
+            </a:pPr>
+            <a:r>
+              <a:t>  - Standard benchmark in computer vision research</a:t>
+            </a:r>
+          </a:p>
+          <a:p>
+            <a:pPr>
+              <a:defRPr sz="2000"/>
+            </a:pPr>
+          </a:p>
+          <a:p>
+            <a:pPr>
+              <a:defRPr sz="2000"/>
+            </a:pPr>
+            <a:r>
+              <a:t>Our approach:</a:t>
+            </a:r>
+          </a:p>
+          <a:p>
+            <a:pPr>
+              <a:defRPr sz="2000"/>
+            </a:pPr>
+            <a:r>
+              <a:t>  - Used ResNet50 [4] (pretrained on ImageNet) to extract features</a:t>
+            </a:r>
+          </a:p>
+          <a:p>
+            <a:pPr>
+              <a:defRPr sz="2000"/>
+            </a:pPr>
+            <a:r>
+              <a:t>  - Converted images → 2048-dimensional feature vectors</a:t>
+            </a:r>
+          </a:p>
+          <a:p>
+            <a:pPr>
+              <a:defRPr sz="2000"/>
+            </a:pPr>
+            <a:r>
+              <a:t>  - Computational subset: 2,500 images (2000 train, 500 test)</a:t>
+            </a:r>
+          </a:p>
+          <a:p>
+            <a:pPr>
+              <a:defRPr sz="2000"/>
+            </a:pPr>
+            <a:r>
+              <a:t>  - Applied DIO-XGBoost optimization</a:t>
+            </a:r>
+          </a:p>
+          <a:p>
+            <a:pPr>
+              <a:defRPr sz="2000"/>
+            </a:pPr>
+          </a:p>
+          <a:p>
+            <a:pPr>
+              <a:defRPr sz="2000"/>
+            </a:pPr>
+            <a:r>
+              <a:t>The massive challenge:</a:t>
+            </a:r>
+          </a:p>
+          <a:p>
+            <a:pPr>
+              <a:defRPr sz="2000"/>
+            </a:pPr>
+            <a:r>
+              <a:t>  - Medical: 30 features (search space size)</a:t>
+            </a:r>
+          </a:p>
+          <a:p>
+            <a:pPr>
+              <a:defRPr sz="2000"/>
+            </a:pPr>
+            <a:r>
+              <a:t>  - Vision: 2048 features (68× larger!)</a:t>
+            </a:r>
+          </a:p>
+          <a:p>
+            <a:pPr>
+              <a:defRPr sz="2000"/>
+            </a:pPr>
+            <a:r>
+              <a:t>  - Much harder to optimize—needs way more computation</a:t>
             </a:r>
           </a:p>
         </p:txBody>
@@ -6575,14 +6723,207 @@
           <a:lstStyle/>
           <a:p>
             <a:r>
-              <a:t>2.5 Cross-Domain Analysis: Success vs Failure</a:t>
-            </a:r>
-          </a:p>
-        </p:txBody>
-      </p:sp>
-      <p:sp>
-        <p:nvSpPr>
-          <p:cNvPr id="3" name="TextBox 2"/>
+              <a:t>2.4.1 CIFAR-10 Results: When Budget Isn't Enough</a:t>
+            </a:r>
+          </a:p>
+        </p:txBody>
+      </p:sp>
+      <p:sp>
+        <p:nvSpPr>
+          <p:cNvPr id="3" name="Content Placeholder 2"/>
+          <p:cNvSpPr>
+            <a:spLocks noGrp="1"/>
+          </p:cNvSpPr>
+          <p:nvPr>
+            <p:ph idx="1"/>
+          </p:nvPr>
+        </p:nvSpPr>
+        <p:spPr/>
+        <p:txBody>
+          <a:bodyPr/>
+          <a:lstStyle/>
+          <a:p>
+            <a:pPr>
+              <a:defRPr sz="2000"/>
+            </a:pPr>
+            <a:r>
+              <a:t>We ran the same DIO-XGBoost optimization on CIFAR-10</a:t>
+            </a:r>
+          </a:p>
+          <a:p>
+            <a:pPr>
+              <a:defRPr sz="2000"/>
+            </a:pPr>
+            <a:r>
+              <a:t>  - Configuration: 3 dholes/8 iterations for BOTH loops (reduced for speed)</a:t>
+            </a:r>
+          </a:p>
+          <a:p>
+            <a:pPr>
+              <a:defRPr sz="2000"/>
+            </a:pPr>
+            <a:r>
+              <a:t>  - Total evaluations: ~576 (24 outer × 24 inner)</a:t>
+            </a:r>
+          </a:p>
+          <a:p>
+            <a:pPr>
+              <a:defRPr sz="2000"/>
+            </a:pPr>
+            <a:r>
+              <a:t>  - Optimization time: 3.6 hours</a:t>
+            </a:r>
+          </a:p>
+          <a:p>
+            <a:pPr>
+              <a:defRPr sz="2000"/>
+            </a:pPr>
+          </a:p>
+          <a:p>
+            <a:pPr>
+              <a:defRPr sz="2000"/>
+            </a:pPr>
+            <a:r>
+              <a:t>Single-run result looked okay:</a:t>
+            </a:r>
+          </a:p>
+          <a:p>
+            <a:pPr>
+              <a:defRPr sz="2000"/>
+            </a:pPr>
+            <a:r>
+              <a:t>  - DIO-optimized (598 features): 83.0% accuracy</a:t>
+            </a:r>
+          </a:p>
+          <a:p>
+            <a:pPr>
+              <a:defRPr sz="2000"/>
+            </a:pPr>
+            <a:r>
+              <a:t>  - Baseline (all 2048 features): 80.8% accuracy</a:t>
+            </a:r>
+          </a:p>
+          <a:p>
+            <a:pPr>
+              <a:defRPr sz="2000"/>
+            </a:pPr>
+            <a:r>
+              <a:t>  - Seemed like +2.2% improvement with 70.8% feature reduction</a:t>
+            </a:r>
+          </a:p>
+          <a:p>
+            <a:pPr>
+              <a:defRPr sz="2000"/>
+            </a:pPr>
+          </a:p>
+          <a:p>
+            <a:pPr>
+              <a:defRPr sz="2000"/>
+            </a:pPr>
+            <a:r>
+              <a:t>But then came the 30-run statistical validation...</a:t>
+            </a:r>
+          </a:p>
+          <a:p>
+            <a:pPr>
+              <a:defRPr sz="2000"/>
+            </a:pPr>
+          </a:p>
+          <a:p>
+            <a:pPr>
+              <a:defRPr sz="2000"/>
+            </a:pPr>
+            <a:r>
+              <a:t>The disappointing truth:</a:t>
+            </a:r>
+          </a:p>
+          <a:p>
+            <a:pPr>
+              <a:defRPr sz="2000"/>
+            </a:pPr>
+            <a:r>
+              <a:t>  - DIO-XGBoost: 81.91% ± 1.38%  (Rank #3)</a:t>
+            </a:r>
+          </a:p>
+          <a:p>
+            <a:pPr>
+              <a:defRPr sz="2000"/>
+            </a:pPr>
+            <a:r>
+              <a:t>  - XGBoost Default: 83.27% ± 1.25%  (Rank #1) ← Actually BETTER</a:t>
+            </a:r>
+          </a:p>
+          <a:p>
+            <a:pPr>
+              <a:defRPr sz="2000"/>
+            </a:pPr>
+            <a:r>
+              <a:t>  - Wilcoxon test: p = 7.15×10⁻⁵ (***) → Highly significant WORSE</a:t>
+            </a:r>
+          </a:p>
+          <a:p>
+            <a:pPr>
+              <a:defRPr sz="2000"/>
+            </a:pPr>
+          </a:p>
+          <a:p>
+            <a:pPr>
+              <a:defRPr sz="2000"/>
+            </a:pPr>
+            <a:r>
+              <a:t>What went wrong? Insufficient optimization budget:</a:t>
+            </a:r>
+          </a:p>
+          <a:p>
+            <a:pPr>
+              <a:defRPr sz="2000"/>
+            </a:pPr>
+            <a:r>
+              <a:t>  - Medical: 30-D space, 10,000 evaluations → SUCCESS (5/10 + 10/20)</a:t>
+            </a:r>
+          </a:p>
+          <a:p>
+            <a:pPr>
+              <a:defRPr sz="2000"/>
+            </a:pPr>
+            <a:r>
+              <a:t>  - Vision: 2048-D space, 576 evaluations → FAILURE (3/8 + 3/8)</a:t>
+            </a:r>
+          </a:p>
+          <a:p>
+            <a:pPr>
+              <a:defRPr sz="2000"/>
+            </a:pPr>
+            <a:r>
+              <a:t>  - Budget didn't scale with dimensionality (68× larger space!)</a:t>
+            </a:r>
+          </a:p>
+          <a:p>
+            <a:pPr>
+              <a:defRPr sz="2000"/>
+            </a:pPr>
+            <a:r>
+              <a:t>  - Need ~10,000-50,000 evaluations for 2048-D (17-87× more)</a:t>
+            </a:r>
+          </a:p>
+          <a:p>
+            <a:pPr>
+              <a:defRPr sz="2000"/>
+            </a:pPr>
+          </a:p>
+          <a:p>
+            <a:pPr>
+              <a:defRPr sz="2000"/>
+            </a:pPr>
+            <a:r>
+              <a:t>Optimization overfitting strikes again—even XGBoost can't overcome severe under-budgeting</a:t>
+            </a:r>
+          </a:p>
+        </p:txBody>
+      </p:sp>
+      <p:sp>
+        <p:nvSpPr>
+          <p:cNvPr id="4" name="TextBox 3"/>
           <p:cNvSpPr txBox="1"/>
           <p:nvPr/>
         </p:nvSpPr>
@@ -6649,162 +6990,69 @@
           <a:lstStyle/>
           <a:p>
             <a:r>
-              <a:t>Lessons Learned Across Both Domains</a:t>
-            </a:r>
-          </a:p>
-        </p:txBody>
-      </p:sp>
-      <p:sp>
-        <p:nvSpPr>
-          <p:cNvPr id="3" name="Content Placeholder 2"/>
-          <p:cNvSpPr>
-            <a:spLocks noGrp="1"/>
-          </p:cNvSpPr>
-          <p:nvPr>
-            <p:ph idx="1"/>
-          </p:nvPr>
-        </p:nvSpPr>
-        <p:spPr/>
-        <p:txBody>
-          <a:bodyPr/>
-          <a:lstStyle/>
-          <a:p>
-            <a:pPr>
-              <a:defRPr sz="2000"/>
-            </a:pPr>
-            <a:r>
-              <a:t>Three critical factors determine optimization success:</a:t>
-            </a:r>
-          </a:p>
-          <a:p>
-            <a:pPr>
-              <a:defRPr sz="2000"/>
-            </a:pPr>
-          </a:p>
-          <a:p>
-            <a:pPr>
-              <a:defRPr sz="2000"/>
-            </a:pPr>
-            <a:r>
-              <a:t>Factor 1: Optimization Budget vs Dimensionality</a:t>
-            </a:r>
-          </a:p>
-          <a:p>
-            <a:pPr>
-              <a:defRPr sz="2000"/>
-            </a:pPr>
-            <a:r>
-              <a:t>  - Medical (30-D): 250-576 evaluations sufficient → SUCCESS</a:t>
-            </a:r>
-          </a:p>
-          <a:p>
-            <a:pPr>
-              <a:defRPr sz="2000"/>
-            </a:pPr>
-            <a:r>
-              <a:t>  - Vision (2048-D): 576 evaluations insufficient → FAILURE</a:t>
-            </a:r>
-          </a:p>
-          <a:p>
-            <a:pPr>
-              <a:defRPr sz="2000"/>
-            </a:pPr>
-            <a:r>
-              <a:t>  - Rule of thumb: Budget must scale with dimensionality²</a:t>
-            </a:r>
-          </a:p>
-          <a:p>
-            <a:pPr>
-              <a:defRPr sz="2000"/>
-            </a:pPr>
-          </a:p>
-          <a:p>
-            <a:pPr>
-              <a:defRPr sz="2000"/>
-            </a:pPr>
-            <a:r>
-              <a:t>Factor 2: Algorithm Robustness</a:t>
-            </a:r>
-          </a:p>
-          <a:p>
-            <a:pPr>
-              <a:defRPr sz="2000"/>
-            </a:pPr>
-            <a:r>
-              <a:t>  - Random Forest: Needs cross-validation even at low dimensions</a:t>
-            </a:r>
-          </a:p>
-          <a:p>
-            <a:pPr>
-              <a:defRPr sz="2000"/>
-            </a:pPr>
-            <a:r>
-              <a:t>  - XGBoost: Single-split OK at low-D, fails at high-D with low budget</a:t>
-            </a:r>
-          </a:p>
-          <a:p>
-            <a:pPr>
-              <a:defRPr sz="2000"/>
-            </a:pPr>
-            <a:r>
-              <a:t>  - No algorithm can overcome severely inadequate computational resources</a:t>
-            </a:r>
-          </a:p>
-          <a:p>
-            <a:pPr>
-              <a:defRPr sz="2000"/>
-            </a:pPr>
-          </a:p>
-          <a:p>
-            <a:pPr>
-              <a:defRPr sz="2000"/>
-            </a:pPr>
-            <a:r>
-              <a:t>Factor 3: Validation Strategy</a:t>
-            </a:r>
-          </a:p>
-          <a:p>
-            <a:pPr>
-              <a:defRPr sz="2000"/>
-            </a:pPr>
-            <a:r>
-              <a:t>  - Single-run results are deceptive (83.0% vs 80.8% looked good)</a:t>
-            </a:r>
-          </a:p>
-          <a:p>
-            <a:pPr>
-              <a:defRPr sz="2000"/>
-            </a:pPr>
-            <a:r>
-              <a:t>  - 30-run averages reveal truth (81.91% vs 83.27% showed failure)</a:t>
-            </a:r>
-          </a:p>
-          <a:p>
-            <a:pPr>
-              <a:defRPr sz="2000"/>
-            </a:pPr>
-            <a:r>
-              <a:t>  - Statistical testing confirms what's real and what's noise</a:t>
-            </a:r>
-          </a:p>
-          <a:p>
-            <a:pPr>
-              <a:defRPr sz="2000"/>
-            </a:pPr>
-          </a:p>
-          <a:p>
-            <a:pPr>
-              <a:defRPr sz="2000"/>
-            </a:pPr>
-            <a:r>
-              <a:t>The big lesson: Success isn't just about the algorithm—it's about matching computational investment to problem complexity</a:t>
-            </a:r>
-          </a:p>
-        </p:txBody>
-      </p:sp>
+              <a:t>CIFAR-10: Statistical Analysis of Optimization Failure</a:t>
+            </a:r>
+          </a:p>
+        </p:txBody>
+      </p:sp>
+      <p:pic>
+        <p:nvPicPr>
+          <p:cNvPr id="3" name="Picture 2" descr="schema7_cifar10_statistical_failure.png"/>
+          <p:cNvPicPr>
+            <a:picLocks noChangeAspect="1"/>
+          </p:cNvPicPr>
+          <p:nvPr/>
+        </p:nvPicPr>
+        <p:blipFill>
+          <a:blip r:embed="rId2"/>
+          <a:stretch>
+            <a:fillRect/>
+          </a:stretch>
+        </p:blipFill>
+        <p:spPr>
+          <a:xfrm>
+            <a:off x="914400" y="1828800"/>
+            <a:ext cx="7315200" cy="10844997"/>
+          </a:xfrm>
+          <a:prstGeom prst="rect">
+            <a:avLst/>
+          </a:prstGeom>
+        </p:spPr>
+      </p:pic>
       <p:sp>
         <p:nvSpPr>
           <p:cNvPr id="4" name="TextBox 3"/>
+          <p:cNvSpPr txBox="1"/>
+          <p:nvPr/>
+        </p:nvSpPr>
+        <p:spPr>
+          <a:xfrm>
+            <a:off x="457200" y="5943600"/>
+            <a:ext cx="8229600" cy="457200"/>
+          </a:xfrm>
+          <a:prstGeom prst="rect">
+            <a:avLst/>
+          </a:prstGeom>
+          <a:noFill/>
+        </p:spPr>
+        <p:txBody>
+          <a:bodyPr wrap="none">
+            <a:spAutoFit/>
+          </a:bodyPr>
+          <a:lstStyle/>
+          <a:p>
+            <a:pPr algn="ctr">
+              <a:defRPr sz="1400" i="1"/>
+            </a:pPr>
+            <a:r>
+              <a:t>30-run validation reveals DIO underperforms defaults: 81.91% vs 83.27% (p&lt;0.0001)</a:t>
+            </a:r>
+          </a:p>
+        </p:txBody>
+      </p:sp>
+      <p:sp>
+        <p:nvSpPr>
+          <p:cNvPr id="5" name="TextBox 4"/>
           <p:cNvSpPr txBox="1"/>
           <p:nvPr/>
         </p:nvSpPr>
@@ -6871,207 +7119,69 @@
           <a:lstStyle/>
           <a:p>
             <a:r>
-              <a:t>3. Future Research Directions</a:t>
-            </a:r>
-          </a:p>
-        </p:txBody>
-      </p:sp>
-      <p:sp>
-        <p:nvSpPr>
-          <p:cNvPr id="3" name="Content Placeholder 2"/>
-          <p:cNvSpPr>
-            <a:spLocks noGrp="1"/>
-          </p:cNvSpPr>
-          <p:nvPr>
-            <p:ph idx="1"/>
-          </p:nvPr>
-        </p:nvSpPr>
-        <p:spPr/>
-        <p:txBody>
-          <a:bodyPr/>
-          <a:lstStyle/>
-          <a:p>
-            <a:pPr>
-              <a:defRPr sz="2000"/>
-            </a:pPr>
-            <a:r>
-              <a:t>Where do we go from here? Several exciting directions:</a:t>
-            </a:r>
-          </a:p>
-          <a:p>
-            <a:pPr>
-              <a:defRPr sz="2000"/>
-            </a:pPr>
-          </a:p>
-          <a:p>
-            <a:pPr>
-              <a:defRPr sz="2000"/>
-            </a:pPr>
-            <a:r>
-              <a:t>1. Adaptive Budget Allocation</a:t>
-            </a:r>
-          </a:p>
-          <a:p>
-            <a:pPr>
-              <a:defRPr sz="2000"/>
-            </a:pPr>
-            <a:r>
-              <a:t>  - Automatically adjust population size based on dimensionality</a:t>
-            </a:r>
-          </a:p>
-          <a:p>
-            <a:pPr>
-              <a:defRPr sz="2000"/>
-            </a:pPr>
-            <a:r>
-              <a:t>  - Develop formulas: budget ≈ k × D² (where D = dimensions)</a:t>
-            </a:r>
-          </a:p>
-          <a:p>
-            <a:pPr>
-              <a:defRPr sz="2000"/>
-            </a:pPr>
-            <a:r>
-              <a:t>  - Balance computational cost with quality</a:t>
-            </a:r>
-          </a:p>
-          <a:p>
-            <a:pPr>
-              <a:defRPr sz="2000"/>
-            </a:pPr>
-          </a:p>
-          <a:p>
-            <a:pPr>
-              <a:defRPr sz="2000"/>
-            </a:pPr>
-            <a:r>
-              <a:t>2. Hybrid Optimization Strategies</a:t>
-            </a:r>
-          </a:p>
-          <a:p>
-            <a:pPr>
-              <a:defRPr sz="2000"/>
-            </a:pPr>
-            <a:r>
-              <a:t>  - Combine DIO (global search) with local refinement (Bayesian optimization)</a:t>
-            </a:r>
-          </a:p>
-          <a:p>
-            <a:pPr>
-              <a:defRPr sz="2000"/>
-            </a:pPr>
-            <a:r>
-              <a:t>  - Use DIO for exploration, gradient methods for exploitation</a:t>
-            </a:r>
-          </a:p>
-          <a:p>
-            <a:pPr>
-              <a:defRPr sz="2000"/>
-            </a:pPr>
-          </a:p>
-          <a:p>
-            <a:pPr>
-              <a:defRPr sz="2000"/>
-            </a:pPr>
-            <a:r>
-              <a:t>3. Multi-Objective Extensions</a:t>
-            </a:r>
-          </a:p>
-          <a:p>
-            <a:pPr>
-              <a:defRPr sz="2000"/>
-            </a:pPr>
-            <a:r>
-              <a:t>  - Optimize accuracy + interpretability + speed simultaneously</a:t>
-            </a:r>
-          </a:p>
-          <a:p>
-            <a:pPr>
-              <a:defRPr sz="2000"/>
-            </a:pPr>
-            <a:r>
-              <a:t>  - Generate Pareto fronts for clinical decision-making</a:t>
-            </a:r>
-          </a:p>
-          <a:p>
-            <a:pPr>
-              <a:defRPr sz="2000"/>
-            </a:pPr>
-          </a:p>
-          <a:p>
-            <a:pPr>
-              <a:defRPr sz="2000"/>
-            </a:pPr>
-            <a:r>
-              <a:t>4. Theoretical Foundations</a:t>
-            </a:r>
-          </a:p>
-          <a:p>
-            <a:pPr>
-              <a:defRPr sz="2000"/>
-            </a:pPr>
-            <a:r>
-              <a:t>  - Formalize 'optimization overfitting' mathematically</a:t>
-            </a:r>
-          </a:p>
-          <a:p>
-            <a:pPr>
-              <a:defRPr sz="2000"/>
-            </a:pPr>
-            <a:r>
-              <a:t>  - Prove convergence guarantees for nested optimization</a:t>
-            </a:r>
-          </a:p>
-          <a:p>
-            <a:pPr>
-              <a:defRPr sz="2000"/>
-            </a:pPr>
-            <a:r>
-              <a:t>  - Characterize when single-split vs CV is sufficient</a:t>
-            </a:r>
-          </a:p>
-          <a:p>
-            <a:pPr>
-              <a:defRPr sz="2000"/>
-            </a:pPr>
-          </a:p>
-          <a:p>
-            <a:pPr>
-              <a:defRPr sz="2000"/>
-            </a:pPr>
-            <a:r>
-              <a:t>5. Broader Applications</a:t>
-            </a:r>
-          </a:p>
-          <a:p>
-            <a:pPr>
-              <a:defRPr sz="2000"/>
-            </a:pPr>
-            <a:r>
-              <a:t>  - Other medical tasks: multi-class diagnosis, survival prediction</a:t>
-            </a:r>
-          </a:p>
-          <a:p>
-            <a:pPr>
-              <a:defRPr sz="2000"/>
-            </a:pPr>
-            <a:r>
-              <a:t>  - Neural architecture search with DIO</a:t>
-            </a:r>
-          </a:p>
-          <a:p>
-            <a:pPr>
-              <a:defRPr sz="2000"/>
-            </a:pPr>
-            <a:r>
-              <a:t>  - Fairness-aware feature selection (removing biased features)</a:t>
-            </a:r>
-          </a:p>
-        </p:txBody>
-      </p:sp>
+              <a:t>2.5 Cross-Domain Results: Success vs Failure</a:t>
+            </a:r>
+          </a:p>
+        </p:txBody>
+      </p:sp>
+      <p:pic>
+        <p:nvPicPr>
+          <p:cNvPr id="3" name="Picture 2" descr="schema3_cross_domain_results_table.png"/>
+          <p:cNvPicPr>
+            <a:picLocks noChangeAspect="1"/>
+          </p:cNvPicPr>
+          <p:nvPr/>
+        </p:nvPicPr>
+        <p:blipFill>
+          <a:blip r:embed="rId2"/>
+          <a:stretch>
+            <a:fillRect/>
+          </a:stretch>
+        </p:blipFill>
+        <p:spPr>
+          <a:xfrm>
+            <a:off x="914400" y="1828800"/>
+            <a:ext cx="7315200" cy="11126113"/>
+          </a:xfrm>
+          <a:prstGeom prst="rect">
+            <a:avLst/>
+          </a:prstGeom>
+        </p:spPr>
+      </p:pic>
       <p:sp>
         <p:nvSpPr>
           <p:cNvPr id="4" name="TextBox 3"/>
+          <p:cNvSpPr txBox="1"/>
+          <p:nvPr/>
+        </p:nvSpPr>
+        <p:spPr>
+          <a:xfrm>
+            <a:off x="457200" y="5943600"/>
+            <a:ext cx="8229600" cy="457200"/>
+          </a:xfrm>
+          <a:prstGeom prst="rect">
+            <a:avLst/>
+          </a:prstGeom>
+          <a:noFill/>
+        </p:spPr>
+        <p:txBody>
+          <a:bodyPr wrap="none">
+            <a:spAutoFit/>
+          </a:bodyPr>
+          <a:lstStyle/>
+          <a:p>
+            <a:pPr algn="ctr">
+              <a:defRPr sz="1400" i="1"/>
+            </a:pPr>
+            <a:r>
+              <a:t>Complete comparison: Medical (96.88%, SUCCESS) vs CIFAR-10 (81.91%, FAILURE)</a:t>
+            </a:r>
+          </a:p>
+        </p:txBody>
+      </p:sp>
+      <p:sp>
+        <p:nvSpPr>
+          <p:cNvPr id="5" name="TextBox 4"/>
           <p:cNvSpPr txBox="1"/>
           <p:nvPr/>
         </p:nvSpPr>
@@ -7348,7 +7458,7 @@
           <a:lstStyle/>
           <a:p>
             <a:r>
-              <a:t>4. Conclusion: What This Research Taught Us</a:t>
+              <a:t>Lessons Learned Across Both Domains</a:t>
             </a:r>
           </a:p>
         </p:txBody>
@@ -7372,168 +7482,139 @@
               <a:defRPr sz="2000"/>
             </a:pPr>
             <a:r>
-              <a:t>This journey taught us as much from failures as from successes:</a:t>
-            </a:r>
-          </a:p>
-          <a:p>
-            <a:pPr>
-              <a:defRPr sz="2000"/>
-            </a:pPr>
-          </a:p>
-          <a:p>
-            <a:pPr>
-              <a:defRPr sz="2000"/>
-            </a:pPr>
-            <a:r>
-              <a:t>Key Contribution #1: Discovery of Optimization Overfitting</a:t>
-            </a:r>
-          </a:p>
-          <a:p>
-            <a:pPr>
-              <a:defRPr sz="2000"/>
-            </a:pPr>
-            <a:r>
-              <a:t>  - Models can 'memorize' specific data partitions during optimization</a:t>
-            </a:r>
-          </a:p>
-          <a:p>
-            <a:pPr>
-              <a:defRPr sz="2000"/>
-            </a:pPr>
-            <a:r>
-              <a:t>  - Single-run results can be wildly misleading (100% → 94.37%)</a:t>
-            </a:r>
-          </a:p>
-          <a:p>
-            <a:pPr>
-              <a:defRPr sz="2000"/>
-            </a:pPr>
-            <a:r>
-              <a:t>  - Solution: Use cross-validation DURING optimization, not just after</a:t>
-            </a:r>
-          </a:p>
-          <a:p>
-            <a:pPr>
-              <a:defRPr sz="2000"/>
-            </a:pPr>
-          </a:p>
-          <a:p>
-            <a:pPr>
-              <a:defRPr sz="2000"/>
-            </a:pPr>
-            <a:r>
-              <a:t>Key Contribution #2: Algorithm-Dependent Strategies</a:t>
-            </a:r>
-          </a:p>
-          <a:p>
-            <a:pPr>
-              <a:defRPr sz="2000"/>
-            </a:pPr>
-            <a:r>
-              <a:t>  - Random Forest: Always needs CV for robust optimization</a:t>
-            </a:r>
-          </a:p>
-          <a:p>
-            <a:pPr>
-              <a:defRPr sz="2000"/>
-            </a:pPr>
-            <a:r>
-              <a:t>  - XGBoost: More forgiving but still fails with inadequate budget</a:t>
-            </a:r>
-          </a:p>
-          <a:p>
-            <a:pPr>
-              <a:defRPr sz="2000"/>
-            </a:pPr>
-            <a:r>
-              <a:t>  - No algorithm is immune to severe under-resourcing</a:t>
-            </a:r>
-          </a:p>
-          <a:p>
-            <a:pPr>
-              <a:defRPr sz="2000"/>
-            </a:pPr>
-          </a:p>
-          <a:p>
-            <a:pPr>
-              <a:defRPr sz="2000"/>
-            </a:pPr>
-            <a:r>
-              <a:t>Key Contribution #3: Budget Scaling Laws</a:t>
-            </a:r>
-          </a:p>
-          <a:p>
-            <a:pPr>
-              <a:defRPr sz="2000"/>
-            </a:pPr>
-            <a:r>
-              <a:t>  - Success on medical (30-D, 250-576 evals)</a:t>
-            </a:r>
-          </a:p>
-          <a:p>
-            <a:pPr>
-              <a:defRPr sz="2000"/>
-            </a:pPr>
-            <a:r>
-              <a:t>  - Failure on vision (2048-D, 576 evals)</a:t>
-            </a:r>
-          </a:p>
-          <a:p>
-            <a:pPr>
-              <a:defRPr sz="2000"/>
-            </a:pPr>
-            <a:r>
-              <a:t>  - Lesson: Budget must grow ~quadratically with dimensions</a:t>
-            </a:r>
-          </a:p>
-          <a:p>
-            <a:pPr>
-              <a:defRPr sz="2000"/>
-            </a:pPr>
-          </a:p>
-          <a:p>
-            <a:pPr>
-              <a:defRPr sz="2000"/>
-            </a:pPr>
-            <a:r>
-              <a:t>Key Contribution #4: DIO-XGBoost Medical Success</a:t>
-            </a:r>
-          </a:p>
-          <a:p>
-            <a:pPr>
-              <a:defRPr sz="2000"/>
-            </a:pPr>
-            <a:r>
-              <a:t>  - 96.88% accuracy (best overall), 67% feature reduction</a:t>
-            </a:r>
-          </a:p>
-          <a:p>
-            <a:pPr>
-              <a:defRPr sz="2000"/>
-            </a:pPr>
-            <a:r>
-              <a:t>  - Significantly better than defaults (p=0.0426)</a:t>
-            </a:r>
-          </a:p>
-          <a:p>
-            <a:pPr>
-              <a:defRPr sz="2000"/>
-            </a:pPr>
-            <a:r>
-              <a:t>  - Proves methodology works when properly resourced</a:t>
-            </a:r>
-          </a:p>
-          <a:p>
-            <a:pPr>
-              <a:defRPr sz="2000"/>
-            </a:pPr>
-          </a:p>
-          <a:p>
-            <a:pPr>
-              <a:defRPr sz="2000"/>
-            </a:pPr>
-            <a:r>
-              <a:t>Final thought: Optimization isn't magic—it needs adequate investment</a:t>
+              <a:t>Three critical factors determine optimization success:</a:t>
+            </a:r>
+          </a:p>
+          <a:p>
+            <a:pPr>
+              <a:defRPr sz="2000"/>
+            </a:pPr>
+          </a:p>
+          <a:p>
+            <a:pPr>
+              <a:defRPr sz="2000"/>
+            </a:pPr>
+            <a:r>
+              <a:t>Factor 1: Optimization Budget vs Dimensionality</a:t>
+            </a:r>
+          </a:p>
+          <a:p>
+            <a:pPr>
+              <a:defRPr sz="2000"/>
+            </a:pPr>
+            <a:r>
+              <a:t>  - Medical RF (30-D): 10,000 evaluations (5/10 outer, 10/20 inner) → Mixed</a:t>
+            </a:r>
+          </a:p>
+          <a:p>
+            <a:pPr>
+              <a:defRPr sz="2000"/>
+            </a:pPr>
+            <a:r>
+              <a:t>  - Medical XGBoost (30-D): 10,000 evaluations (5/10 outer, 10/20 inner) → SUCCESS</a:t>
+            </a:r>
+          </a:p>
+          <a:p>
+            <a:pPr>
+              <a:defRPr sz="2000"/>
+            </a:pPr>
+            <a:r>
+              <a:t>  - Vision XGBoost (2048-D): 576 evaluations (3/8 both loops) → FAILURE</a:t>
+            </a:r>
+          </a:p>
+          <a:p>
+            <a:pPr>
+              <a:defRPr sz="2000"/>
+            </a:pPr>
+            <a:r>
+              <a:t>  - Rule of thumb: Budget must scale with dimensionality²</a:t>
+            </a:r>
+          </a:p>
+          <a:p>
+            <a:pPr>
+              <a:defRPr sz="2000"/>
+            </a:pPr>
+          </a:p>
+          <a:p>
+            <a:pPr>
+              <a:defRPr sz="2000"/>
+            </a:pPr>
+            <a:r>
+              <a:t>Factor 2: Algorithm Robustness</a:t>
+            </a:r>
+          </a:p>
+          <a:p>
+            <a:pPr>
+              <a:defRPr sz="2000"/>
+            </a:pPr>
+            <a:r>
+              <a:t>  - Random Forest: Needs cross-validation even at low dimensions</a:t>
+            </a:r>
+          </a:p>
+          <a:p>
+            <a:pPr>
+              <a:defRPr sz="2000"/>
+            </a:pPr>
+            <a:r>
+              <a:t>  - XGBoost: Single-split OK at low-D, fails at high-D with low budget</a:t>
+            </a:r>
+          </a:p>
+          <a:p>
+            <a:pPr>
+              <a:defRPr sz="2000"/>
+            </a:pPr>
+            <a:r>
+              <a:t>  - No algorithm can overcome severely inadequate computational resources</a:t>
+            </a:r>
+          </a:p>
+          <a:p>
+            <a:pPr>
+              <a:defRPr sz="2000"/>
+            </a:pPr>
+          </a:p>
+          <a:p>
+            <a:pPr>
+              <a:defRPr sz="2000"/>
+            </a:pPr>
+            <a:r>
+              <a:t>Factor 3: Validation Strategy</a:t>
+            </a:r>
+          </a:p>
+          <a:p>
+            <a:pPr>
+              <a:defRPr sz="2000"/>
+            </a:pPr>
+            <a:r>
+              <a:t>  - Single-run results are deceptive (83.0% vs 80.8% looked good)</a:t>
+            </a:r>
+          </a:p>
+          <a:p>
+            <a:pPr>
+              <a:defRPr sz="2000"/>
+            </a:pPr>
+            <a:r>
+              <a:t>  - 30-run averages reveal truth (81.91% vs 83.27% showed failure)</a:t>
+            </a:r>
+          </a:p>
+          <a:p>
+            <a:pPr>
+              <a:defRPr sz="2000"/>
+            </a:pPr>
+            <a:r>
+              <a:t>  - Statistical testing confirms what's real and what's noise</a:t>
+            </a:r>
+          </a:p>
+          <a:p>
+            <a:pPr>
+              <a:defRPr sz="2000"/>
+            </a:pPr>
+          </a:p>
+          <a:p>
+            <a:pPr>
+              <a:defRPr sz="2000"/>
+            </a:pPr>
+            <a:r>
+              <a:t>The big lesson: Success isn't just about the algorithm—it's about matching computational investment to problem complexity</a:t>
             </a:r>
           </a:p>
         </p:txBody>
@@ -7607,7 +7688,7 @@
           <a:lstStyle/>
           <a:p>
             <a:r>
-              <a:t>Practical Recommendations</a:t>
+              <a:t>3. Future Research Directions</a:t>
             </a:r>
           </a:p>
         </p:txBody>
@@ -7631,147 +7712,176 @@
               <a:defRPr sz="2000"/>
             </a:pPr>
             <a:r>
-              <a:t>If you're deploying ML in healthcare:</a:t>
-            </a:r>
-          </a:p>
-          <a:p>
-            <a:pPr>
-              <a:defRPr sz="2000"/>
-            </a:pPr>
-          </a:p>
-          <a:p>
-            <a:pPr>
-              <a:defRPr sz="2000"/>
-            </a:pPr>
-            <a:r>
-              <a:t>Choose DIO-XGBoost (96.88%, 10 features) if:</a:t>
-            </a:r>
-          </a:p>
-          <a:p>
-            <a:pPr>
-              <a:defRPr sz="2000"/>
-            </a:pPr>
-            <a:r>
-              <a:t>  - Maximum accuracy is non-negotiable</a:t>
-            </a:r>
-          </a:p>
-          <a:p>
-            <a:pPr>
-              <a:defRPr sz="2000"/>
-            </a:pPr>
-            <a:r>
-              <a:t>  - You have computational resources</a:t>
-            </a:r>
-          </a:p>
-          <a:p>
-            <a:pPr>
-              <a:defRPr sz="2000"/>
-            </a:pPr>
-            <a:r>
-              <a:t>  - 67% feature reduction provides significant efficiency gains</a:t>
-            </a:r>
-          </a:p>
-          <a:p>
-            <a:pPr>
-              <a:defRPr sz="2000"/>
-            </a:pPr>
-          </a:p>
-          <a:p>
-            <a:pPr>
-              <a:defRPr sz="2000"/>
-            </a:pPr>
-            <a:r>
-              <a:t>Choose DIO-RF-CV (96.55%, 6 features) if:</a:t>
-            </a:r>
-          </a:p>
-          <a:p>
-            <a:pPr>
-              <a:defRPr sz="2000"/>
-            </a:pPr>
-            <a:r>
-              <a:t>  - Clinical interpretability is paramount (only 6 measurements!)</a:t>
-            </a:r>
-          </a:p>
-          <a:p>
-            <a:pPr>
-              <a:defRPr sz="2000"/>
-            </a:pPr>
-            <a:r>
-              <a:t>  - Resource-constrained environments (80% cost reduction)</a:t>
-            </a:r>
-          </a:p>
-          <a:p>
-            <a:pPr>
-              <a:defRPr sz="2000"/>
-            </a:pPr>
-            <a:r>
-              <a:t>  - Near-maximum accuracy is acceptable (only 0.08% less)</a:t>
-            </a:r>
-          </a:p>
-          <a:p>
-            <a:pPr>
-              <a:defRPr sz="2000"/>
-            </a:pPr>
-          </a:p>
-          <a:p>
-            <a:pPr>
-              <a:defRPr sz="2000"/>
-            </a:pPr>
-            <a:r>
-              <a:t>Avoid DIO-RF-Single (94.37%, 8 features) unless:</a:t>
-            </a:r>
-          </a:p>
-          <a:p>
-            <a:pPr>
-              <a:defRPr sz="2000"/>
-            </a:pPr>
-            <a:r>
-              <a:t>  - You only need rapid prototyping (1-minute optimization)</a:t>
-            </a:r>
-          </a:p>
-          <a:p>
-            <a:pPr>
-              <a:defRPr sz="2000"/>
-            </a:pPr>
-            <a:r>
-              <a:t>  - Lower accuracy is acceptable for initial screening</a:t>
-            </a:r>
-          </a:p>
-          <a:p>
-            <a:pPr>
-              <a:defRPr sz="2000"/>
-            </a:pPr>
-          </a:p>
-          <a:p>
-            <a:pPr>
-              <a:defRPr sz="2000"/>
-            </a:pPr>
-            <a:r>
-              <a:t>General wisdom:</a:t>
-            </a:r>
-          </a:p>
-          <a:p>
-            <a:pPr>
-              <a:defRPr sz="2000"/>
-            </a:pPr>
-            <a:r>
-              <a:t>  - Always run 30+ validation runs with different splits</a:t>
-            </a:r>
-          </a:p>
-          <a:p>
-            <a:pPr>
-              <a:defRPr sz="2000"/>
-            </a:pPr>
-            <a:r>
-              <a:t>  - Use statistical tests (Wilcoxon) to confirm improvements</a:t>
-            </a:r>
-          </a:p>
-          <a:p>
-            <a:pPr>
-              <a:defRPr sz="2000"/>
-            </a:pPr>
-            <a:r>
-              <a:t>  - Match optimization budget to problem dimensionality</a:t>
+              <a:t>Where do we go from here? Several exciting directions:</a:t>
+            </a:r>
+          </a:p>
+          <a:p>
+            <a:pPr>
+              <a:defRPr sz="2000"/>
+            </a:pPr>
+          </a:p>
+          <a:p>
+            <a:pPr>
+              <a:defRPr sz="2000"/>
+            </a:pPr>
+            <a:r>
+              <a:t>1. Adaptive Budget Allocation</a:t>
+            </a:r>
+          </a:p>
+          <a:p>
+            <a:pPr>
+              <a:defRPr sz="2000"/>
+            </a:pPr>
+            <a:r>
+              <a:t>  - Automatically adjust population size based on dimensionality</a:t>
+            </a:r>
+          </a:p>
+          <a:p>
+            <a:pPr>
+              <a:defRPr sz="2000"/>
+            </a:pPr>
+            <a:r>
+              <a:t>  - Develop formulas: budget ≈ k × D² (where D = dimensions)</a:t>
+            </a:r>
+          </a:p>
+          <a:p>
+            <a:pPr>
+              <a:defRPr sz="2000"/>
+            </a:pPr>
+            <a:r>
+              <a:t>  - Balance computational cost with quality</a:t>
+            </a:r>
+          </a:p>
+          <a:p>
+            <a:pPr>
+              <a:defRPr sz="2000"/>
+            </a:pPr>
+          </a:p>
+          <a:p>
+            <a:pPr>
+              <a:defRPr sz="2000"/>
+            </a:pPr>
+            <a:r>
+              <a:t>2. Hybrid Optimization Strategies</a:t>
+            </a:r>
+          </a:p>
+          <a:p>
+            <a:pPr>
+              <a:defRPr sz="2000"/>
+            </a:pPr>
+            <a:r>
+              <a:t>  - Combine DIO (global search) with local refinement (Bayesian optimization)</a:t>
+            </a:r>
+          </a:p>
+          <a:p>
+            <a:pPr>
+              <a:defRPr sz="2000"/>
+            </a:pPr>
+            <a:r>
+              <a:t>  - Use DIO for exploration, gradient methods for exploitation</a:t>
+            </a:r>
+          </a:p>
+          <a:p>
+            <a:pPr>
+              <a:defRPr sz="2000"/>
+            </a:pPr>
+          </a:p>
+          <a:p>
+            <a:pPr>
+              <a:defRPr sz="2000"/>
+            </a:pPr>
+            <a:r>
+              <a:t>3. Multi-Objective Extensions</a:t>
+            </a:r>
+          </a:p>
+          <a:p>
+            <a:pPr>
+              <a:defRPr sz="2000"/>
+            </a:pPr>
+            <a:r>
+              <a:t>  - Optimize accuracy + interpretability + speed simultaneously</a:t>
+            </a:r>
+          </a:p>
+          <a:p>
+            <a:pPr>
+              <a:defRPr sz="2000"/>
+            </a:pPr>
+            <a:r>
+              <a:t>  - Generate Pareto fronts for clinical decision-making</a:t>
+            </a:r>
+          </a:p>
+          <a:p>
+            <a:pPr>
+              <a:defRPr sz="2000"/>
+            </a:pPr>
+          </a:p>
+          <a:p>
+            <a:pPr>
+              <a:defRPr sz="2000"/>
+            </a:pPr>
+            <a:r>
+              <a:t>4. Theoretical Foundations</a:t>
+            </a:r>
+          </a:p>
+          <a:p>
+            <a:pPr>
+              <a:defRPr sz="2000"/>
+            </a:pPr>
+            <a:r>
+              <a:t>  - Formalize 'optimization overfitting' mathematically</a:t>
+            </a:r>
+          </a:p>
+          <a:p>
+            <a:pPr>
+              <a:defRPr sz="2000"/>
+            </a:pPr>
+            <a:r>
+              <a:t>  - Prove convergence guarantees for nested optimization</a:t>
+            </a:r>
+          </a:p>
+          <a:p>
+            <a:pPr>
+              <a:defRPr sz="2000"/>
+            </a:pPr>
+            <a:r>
+              <a:t>  - Characterize when single-split vs CV is sufficient</a:t>
+            </a:r>
+          </a:p>
+          <a:p>
+            <a:pPr>
+              <a:defRPr sz="2000"/>
+            </a:pPr>
+          </a:p>
+          <a:p>
+            <a:pPr>
+              <a:defRPr sz="2000"/>
+            </a:pPr>
+            <a:r>
+              <a:t>5. Broader Applications</a:t>
+            </a:r>
+          </a:p>
+          <a:p>
+            <a:pPr>
+              <a:defRPr sz="2000"/>
+            </a:pPr>
+            <a:r>
+              <a:t>  - Other medical tasks: multi-class diagnosis, survival prediction</a:t>
+            </a:r>
+          </a:p>
+          <a:p>
+            <a:pPr>
+              <a:defRPr sz="2000"/>
+            </a:pPr>
+            <a:r>
+              <a:t>  - Neural architecture search with DIO</a:t>
+            </a:r>
+          </a:p>
+          <a:p>
+            <a:pPr>
+              <a:defRPr sz="2000"/>
+            </a:pPr>
+            <a:r>
+              <a:t>  - Fairness-aware feature selection (removing biased features)</a:t>
             </a:r>
           </a:p>
         </p:txBody>
@@ -7845,7 +7955,7 @@
           <a:lstStyle/>
           <a:p>
             <a:r>
-              <a:t>5. References</a:t>
+              <a:t>4. Conclusion: What This Research Taught Us</a:t>
             </a:r>
           </a:p>
         </p:txBody>
@@ -7869,85 +7979,168 @@
               <a:defRPr sz="2000"/>
             </a:pPr>
             <a:r>
-              <a:t>[1] El Romeh, A., Mirjalili, S., &amp; Šnel, V. (2025). Dholes-Inspired Optimization (DIO). Cluster Computing (Springer). DOI: 10.1007/s10586-025-05543-2</a:t>
-            </a:r>
-          </a:p>
-          <a:p>
-            <a:pPr>
-              <a:defRPr sz="2000"/>
-            </a:pPr>
-          </a:p>
-          <a:p>
-            <a:pPr>
-              <a:defRPr sz="2000"/>
-            </a:pPr>
-            <a:r>
-              <a:t>[2] Dua, D. &amp; Graff, C. (2019). UCI Machine Learning Repository: Breast Cancer Wisconsin (Diagnostic) Data Set. University of California, Irvine.</a:t>
-            </a:r>
-          </a:p>
-          <a:p>
-            <a:pPr>
-              <a:defRPr sz="2000"/>
-            </a:pPr>
-          </a:p>
-          <a:p>
-            <a:pPr>
-              <a:defRPr sz="2000"/>
-            </a:pPr>
-            <a:r>
-              <a:t>[3] Krizhevsky, A. (2009). Learning Multiple Layers of Features from Tiny Images. Technical Report, University of Toronto.</a:t>
-            </a:r>
-          </a:p>
-          <a:p>
-            <a:pPr>
-              <a:defRPr sz="2000"/>
-            </a:pPr>
-          </a:p>
-          <a:p>
-            <a:pPr>
-              <a:defRPr sz="2000"/>
-            </a:pPr>
-            <a:r>
-              <a:t>[4] He, K., Zhang, X., Ren, S., &amp; Sun, J. (2016). Deep Residual Learning for Image Recognition. IEEE CVPR.</a:t>
-            </a:r>
-          </a:p>
-          <a:p>
-            <a:pPr>
-              <a:defRPr sz="2000"/>
-            </a:pPr>
-          </a:p>
-          <a:p>
-            <a:pPr>
-              <a:defRPr sz="2000"/>
-            </a:pPr>
-            <a:r>
-              <a:t>[5] Chen, T. &amp; Guestrin, C. (2016). XGBoost: A Scalable Tree Boosting System. KDD '16.</a:t>
-            </a:r>
-          </a:p>
-          <a:p>
-            <a:pPr>
-              <a:defRPr sz="2000"/>
-            </a:pPr>
-          </a:p>
-          <a:p>
-            <a:pPr>
-              <a:defRPr sz="2000"/>
-            </a:pPr>
-            <a:r>
-              <a:t>[6] Breiman, L. (2001). Random Forests. Machine Learning, 45(1), 5-32.</a:t>
-            </a:r>
-          </a:p>
-          <a:p>
-            <a:pPr>
-              <a:defRPr sz="2000"/>
-            </a:pPr>
-          </a:p>
-          <a:p>
-            <a:pPr>
-              <a:defRPr sz="2000"/>
-            </a:pPr>
-            <a:r>
-              <a:t>[7] Wilcoxon, F. (1945). Individual Comparisons by Ranking Methods. Biometrics Bulletin, 1(6), 80-83.</a:t>
+              <a:t>This journey taught us as much from failures as from successes:</a:t>
+            </a:r>
+          </a:p>
+          <a:p>
+            <a:pPr>
+              <a:defRPr sz="2000"/>
+            </a:pPr>
+          </a:p>
+          <a:p>
+            <a:pPr>
+              <a:defRPr sz="2000"/>
+            </a:pPr>
+            <a:r>
+              <a:t>Key Contribution #1: Discovery of Optimization Overfitting</a:t>
+            </a:r>
+          </a:p>
+          <a:p>
+            <a:pPr>
+              <a:defRPr sz="2000"/>
+            </a:pPr>
+            <a:r>
+              <a:t>  - Models can 'memorize' specific data partitions during optimization</a:t>
+            </a:r>
+          </a:p>
+          <a:p>
+            <a:pPr>
+              <a:defRPr sz="2000"/>
+            </a:pPr>
+            <a:r>
+              <a:t>  - Single-run results can be wildly misleading (100% → 94.37%)</a:t>
+            </a:r>
+          </a:p>
+          <a:p>
+            <a:pPr>
+              <a:defRPr sz="2000"/>
+            </a:pPr>
+            <a:r>
+              <a:t>  - Solution: Use cross-validation DURING optimization, not just after</a:t>
+            </a:r>
+          </a:p>
+          <a:p>
+            <a:pPr>
+              <a:defRPr sz="2000"/>
+            </a:pPr>
+          </a:p>
+          <a:p>
+            <a:pPr>
+              <a:defRPr sz="2000"/>
+            </a:pPr>
+            <a:r>
+              <a:t>Key Contribution #2: Algorithm-Dependent Strategies</a:t>
+            </a:r>
+          </a:p>
+          <a:p>
+            <a:pPr>
+              <a:defRPr sz="2000"/>
+            </a:pPr>
+            <a:r>
+              <a:t>  - Random Forest: Always needs CV for robust optimization</a:t>
+            </a:r>
+          </a:p>
+          <a:p>
+            <a:pPr>
+              <a:defRPr sz="2000"/>
+            </a:pPr>
+            <a:r>
+              <a:t>  - XGBoost: More forgiving but still fails with inadequate budget</a:t>
+            </a:r>
+          </a:p>
+          <a:p>
+            <a:pPr>
+              <a:defRPr sz="2000"/>
+            </a:pPr>
+            <a:r>
+              <a:t>  - No algorithm is immune to severe under-resourcing</a:t>
+            </a:r>
+          </a:p>
+          <a:p>
+            <a:pPr>
+              <a:defRPr sz="2000"/>
+            </a:pPr>
+          </a:p>
+          <a:p>
+            <a:pPr>
+              <a:defRPr sz="2000"/>
+            </a:pPr>
+            <a:r>
+              <a:t>Key Contribution #3: Budget Scaling Laws</a:t>
+            </a:r>
+          </a:p>
+          <a:p>
+            <a:pPr>
+              <a:defRPr sz="2000"/>
+            </a:pPr>
+            <a:r>
+              <a:t>  - Success on medical (30-D, 250-576 evals)</a:t>
+            </a:r>
+          </a:p>
+          <a:p>
+            <a:pPr>
+              <a:defRPr sz="2000"/>
+            </a:pPr>
+            <a:r>
+              <a:t>  - Failure on vision (2048-D, 576 evals)</a:t>
+            </a:r>
+          </a:p>
+          <a:p>
+            <a:pPr>
+              <a:defRPr sz="2000"/>
+            </a:pPr>
+            <a:r>
+              <a:t>  - Lesson: Budget must grow ~quadratically with dimensions</a:t>
+            </a:r>
+          </a:p>
+          <a:p>
+            <a:pPr>
+              <a:defRPr sz="2000"/>
+            </a:pPr>
+          </a:p>
+          <a:p>
+            <a:pPr>
+              <a:defRPr sz="2000"/>
+            </a:pPr>
+            <a:r>
+              <a:t>Key Contribution #4: DIO-XGBoost Medical Success</a:t>
+            </a:r>
+          </a:p>
+          <a:p>
+            <a:pPr>
+              <a:defRPr sz="2000"/>
+            </a:pPr>
+            <a:r>
+              <a:t>  - 96.88% accuracy (best overall), 67% feature reduction</a:t>
+            </a:r>
+          </a:p>
+          <a:p>
+            <a:pPr>
+              <a:defRPr sz="2000"/>
+            </a:pPr>
+            <a:r>
+              <a:t>  - Significantly better than defaults (p=0.0426)</a:t>
+            </a:r>
+          </a:p>
+          <a:p>
+            <a:pPr>
+              <a:defRPr sz="2000"/>
+            </a:pPr>
+            <a:r>
+              <a:t>  - Proves methodology works when properly resourced</a:t>
+            </a:r>
+          </a:p>
+          <a:p>
+            <a:pPr>
+              <a:defRPr sz="2000"/>
+            </a:pPr>
+          </a:p>
+          <a:p>
+            <a:pPr>
+              <a:defRPr sz="2000"/>
+            </a:pPr>
+            <a:r>
+              <a:t>Final thought: Optimization isn't magic—it needs adequate investment</a:t>
             </a:r>
           </a:p>
         </p:txBody>
@@ -8021,7 +8214,7 @@
           <a:lstStyle/>
           <a:p>
             <a:r>
-              <a:t>Acknowledgments</a:t>
+              <a:t>Practical Recommendations</a:t>
             </a:r>
           </a:p>
         </p:txBody>
@@ -8045,133 +8238,147 @@
               <a:defRPr sz="2000"/>
             </a:pPr>
             <a:r>
-              <a:t>Special thanks to:</a:t>
-            </a:r>
-          </a:p>
-          <a:p>
-            <a:pPr>
-              <a:defRPr sz="2000"/>
-            </a:pPr>
-          </a:p>
-          <a:p>
-            <a:pPr>
-              <a:defRPr sz="2000"/>
-            </a:pPr>
-            <a:r>
-              <a:t>Dr. Nabil Neggaz</a:t>
-            </a:r>
-          </a:p>
-          <a:p>
-            <a:pPr>
-              <a:defRPr sz="2000"/>
-            </a:pPr>
-            <a:r>
-              <a:t>  - Course instructor and research supervisor</a:t>
-            </a:r>
-          </a:p>
-          <a:p>
-            <a:pPr>
-              <a:defRPr sz="2000"/>
-            </a:pPr>
-            <a:r>
-              <a:t>  - Guidance throughout this project</a:t>
-            </a:r>
-          </a:p>
-          <a:p>
-            <a:pPr>
-              <a:defRPr sz="2000"/>
-            </a:pPr>
-          </a:p>
-          <a:p>
-            <a:pPr>
-              <a:defRPr sz="2000"/>
-            </a:pPr>
-            <a:r>
-              <a:t>USTO-MB Computer Science Department</a:t>
-            </a:r>
-          </a:p>
-          <a:p>
-            <a:pPr>
-              <a:defRPr sz="2000"/>
-            </a:pPr>
-            <a:r>
-              <a:t>  - Providing resources and support</a:t>
-            </a:r>
-          </a:p>
-          <a:p>
-            <a:pPr>
-              <a:defRPr sz="2000"/>
-            </a:pPr>
-          </a:p>
-          <a:p>
-            <a:pPr>
-              <a:defRPr sz="2000"/>
-            </a:pPr>
-            <a:r>
-              <a:t>Original DIO Creators</a:t>
-            </a:r>
-          </a:p>
-          <a:p>
-            <a:pPr>
-              <a:defRPr sz="2000"/>
-            </a:pPr>
-            <a:r>
-              <a:t>  - Dr. Seyedali Mirjalili and team</a:t>
-            </a:r>
-          </a:p>
-          <a:p>
-            <a:pPr>
-              <a:defRPr sz="2000"/>
-            </a:pPr>
-            <a:r>
-              <a:t>  - For open-sourcing their algorithm</a:t>
-            </a:r>
-          </a:p>
-          <a:p>
-            <a:pPr>
-              <a:defRPr sz="2000"/>
-            </a:pPr>
-          </a:p>
-          <a:p>
-            <a:pPr>
-              <a:defRPr sz="2000"/>
-            </a:pPr>
-            <a:r>
-              <a:t>Open-Source Community</a:t>
-            </a:r>
-          </a:p>
-          <a:p>
-            <a:pPr>
-              <a:defRPr sz="2000"/>
-            </a:pPr>
-            <a:r>
-              <a:t>  - scikit-learn, XGBoost, NumPy, pandas</a:t>
-            </a:r>
-          </a:p>
-          <a:p>
-            <a:pPr>
-              <a:defRPr sz="2000"/>
-            </a:pPr>
-            <a:r>
-              <a:t>  - Making research accessible to all</a:t>
-            </a:r>
-          </a:p>
-          <a:p>
-            <a:pPr>
-              <a:defRPr sz="2000"/>
-            </a:pPr>
-          </a:p>
-          <a:p>
-            <a:pPr>
-              <a:defRPr sz="2000"/>
-            </a:pPr>
-          </a:p>
-          <a:p>
-            <a:pPr>
-              <a:defRPr sz="2000"/>
-            </a:pPr>
-            <a:r>
-              <a:t>Questions?</a:t>
+              <a:t>If you're deploying ML in healthcare:</a:t>
+            </a:r>
+          </a:p>
+          <a:p>
+            <a:pPr>
+              <a:defRPr sz="2000"/>
+            </a:pPr>
+          </a:p>
+          <a:p>
+            <a:pPr>
+              <a:defRPr sz="2000"/>
+            </a:pPr>
+            <a:r>
+              <a:t>Choose DIO-XGBoost (96.88%, 10 features) if:</a:t>
+            </a:r>
+          </a:p>
+          <a:p>
+            <a:pPr>
+              <a:defRPr sz="2000"/>
+            </a:pPr>
+            <a:r>
+              <a:t>  - Maximum accuracy is non-negotiable</a:t>
+            </a:r>
+          </a:p>
+          <a:p>
+            <a:pPr>
+              <a:defRPr sz="2000"/>
+            </a:pPr>
+            <a:r>
+              <a:t>  - You have computational resources</a:t>
+            </a:r>
+          </a:p>
+          <a:p>
+            <a:pPr>
+              <a:defRPr sz="2000"/>
+            </a:pPr>
+            <a:r>
+              <a:t>  - 67% feature reduction provides significant efficiency gains</a:t>
+            </a:r>
+          </a:p>
+          <a:p>
+            <a:pPr>
+              <a:defRPr sz="2000"/>
+            </a:pPr>
+          </a:p>
+          <a:p>
+            <a:pPr>
+              <a:defRPr sz="2000"/>
+            </a:pPr>
+            <a:r>
+              <a:t>Choose DIO-RF-CV (96.55%, 6 features) if:</a:t>
+            </a:r>
+          </a:p>
+          <a:p>
+            <a:pPr>
+              <a:defRPr sz="2000"/>
+            </a:pPr>
+            <a:r>
+              <a:t>  - Clinical interpretability is paramount (only 6 measurements!)</a:t>
+            </a:r>
+          </a:p>
+          <a:p>
+            <a:pPr>
+              <a:defRPr sz="2000"/>
+            </a:pPr>
+            <a:r>
+              <a:t>  - Resource-constrained environments (80% cost reduction)</a:t>
+            </a:r>
+          </a:p>
+          <a:p>
+            <a:pPr>
+              <a:defRPr sz="2000"/>
+            </a:pPr>
+            <a:r>
+              <a:t>  - Near-maximum accuracy is acceptable (only 0.08% less)</a:t>
+            </a:r>
+          </a:p>
+          <a:p>
+            <a:pPr>
+              <a:defRPr sz="2000"/>
+            </a:pPr>
+          </a:p>
+          <a:p>
+            <a:pPr>
+              <a:defRPr sz="2000"/>
+            </a:pPr>
+            <a:r>
+              <a:t>Avoid DIO-RF-Single (94.37%, 8 features) unless:</a:t>
+            </a:r>
+          </a:p>
+          <a:p>
+            <a:pPr>
+              <a:defRPr sz="2000"/>
+            </a:pPr>
+            <a:r>
+              <a:t>  - You only need rapid prototyping (1-minute optimization)</a:t>
+            </a:r>
+          </a:p>
+          <a:p>
+            <a:pPr>
+              <a:defRPr sz="2000"/>
+            </a:pPr>
+            <a:r>
+              <a:t>  - Lower accuracy is acceptable for initial screening</a:t>
+            </a:r>
+          </a:p>
+          <a:p>
+            <a:pPr>
+              <a:defRPr sz="2000"/>
+            </a:pPr>
+          </a:p>
+          <a:p>
+            <a:pPr>
+              <a:defRPr sz="2000"/>
+            </a:pPr>
+            <a:r>
+              <a:t>General wisdom:</a:t>
+            </a:r>
+          </a:p>
+          <a:p>
+            <a:pPr>
+              <a:defRPr sz="2000"/>
+            </a:pPr>
+            <a:r>
+              <a:t>  - Always run 30+ validation runs with different splits</a:t>
+            </a:r>
+          </a:p>
+          <a:p>
+            <a:pPr>
+              <a:defRPr sz="2000"/>
+            </a:pPr>
+            <a:r>
+              <a:t>  - Use statistical tests (Wilcoxon) to confirm improvements</a:t>
+            </a:r>
+          </a:p>
+          <a:p>
+            <a:pPr>
+              <a:defRPr sz="2000"/>
+            </a:pPr>
+            <a:r>
+              <a:t>  - Match optimization budget to problem dimensionality</a:t>
             </a:r>
           </a:p>
         </p:txBody>
@@ -8207,6 +8414,406 @@
             </a:pPr>
             <a:r>
               <a:t>33</a:t>
+            </a:r>
+          </a:p>
+        </p:txBody>
+      </p:sp>
+    </p:spTree>
+  </p:cSld>
+  <p:clrMapOvr>
+    <a:masterClrMapping/>
+  </p:clrMapOvr>
+</p:sld>
+</file>
+
+<file path=ppt/slides/slide34.xml><?xml version="1.0" encoding="utf-8"?>
+<p:sld xmlns:a="http://schemas.openxmlformats.org/drawingml/2006/main" xmlns:p="http://schemas.openxmlformats.org/presentationml/2006/main" xmlns:r="http://schemas.openxmlformats.org/officeDocument/2006/relationships">
+  <p:cSld>
+    <p:spTree>
+      <p:nvGrpSpPr>
+        <p:cNvPr id="1" name=""/>
+        <p:cNvGrpSpPr/>
+        <p:nvPr/>
+      </p:nvGrpSpPr>
+      <p:grpSpPr/>
+      <p:sp>
+        <p:nvSpPr>
+          <p:cNvPr id="2" name="Title 1"/>
+          <p:cNvSpPr>
+            <a:spLocks noGrp="1"/>
+          </p:cNvSpPr>
+          <p:nvPr>
+            <p:ph type="title"/>
+          </p:nvPr>
+        </p:nvSpPr>
+        <p:spPr/>
+        <p:txBody>
+          <a:bodyPr/>
+          <a:lstStyle/>
+          <a:p>
+            <a:r>
+              <a:t>5. References</a:t>
+            </a:r>
+          </a:p>
+        </p:txBody>
+      </p:sp>
+      <p:sp>
+        <p:nvSpPr>
+          <p:cNvPr id="3" name="Content Placeholder 2"/>
+          <p:cNvSpPr>
+            <a:spLocks noGrp="1"/>
+          </p:cNvSpPr>
+          <p:nvPr>
+            <p:ph idx="1"/>
+          </p:nvPr>
+        </p:nvSpPr>
+        <p:spPr/>
+        <p:txBody>
+          <a:bodyPr/>
+          <a:lstStyle/>
+          <a:p>
+            <a:pPr>
+              <a:defRPr sz="2000"/>
+            </a:pPr>
+            <a:r>
+              <a:t>[1] El Romeh, A., Mirjalili, S., &amp; Šnel, V. (2025). Dholes-Inspired Optimization (DIO). Cluster Computing (Springer). DOI: 10.1007/s10586-025-05543-2</a:t>
+            </a:r>
+          </a:p>
+          <a:p>
+            <a:pPr>
+              <a:defRPr sz="2000"/>
+            </a:pPr>
+          </a:p>
+          <a:p>
+            <a:pPr>
+              <a:defRPr sz="2000"/>
+            </a:pPr>
+            <a:r>
+              <a:t>[2] Dua, D. &amp; Graff, C. (2019). UCI Machine Learning Repository: Breast Cancer Wisconsin (Diagnostic) Data Set. University of California, Irvine.</a:t>
+            </a:r>
+          </a:p>
+          <a:p>
+            <a:pPr>
+              <a:defRPr sz="2000"/>
+            </a:pPr>
+          </a:p>
+          <a:p>
+            <a:pPr>
+              <a:defRPr sz="2000"/>
+            </a:pPr>
+            <a:r>
+              <a:t>[3] Krizhevsky, A. (2009). Learning Multiple Layers of Features from Tiny Images. Technical Report, University of Toronto.</a:t>
+            </a:r>
+          </a:p>
+          <a:p>
+            <a:pPr>
+              <a:defRPr sz="2000"/>
+            </a:pPr>
+          </a:p>
+          <a:p>
+            <a:pPr>
+              <a:defRPr sz="2000"/>
+            </a:pPr>
+            <a:r>
+              <a:t>[4] He, K., Zhang, X., Ren, S., &amp; Sun, J. (2016). Deep Residual Learning for Image Recognition. IEEE CVPR.</a:t>
+            </a:r>
+          </a:p>
+          <a:p>
+            <a:pPr>
+              <a:defRPr sz="2000"/>
+            </a:pPr>
+          </a:p>
+          <a:p>
+            <a:pPr>
+              <a:defRPr sz="2000"/>
+            </a:pPr>
+            <a:r>
+              <a:t>[5] Chen, T. &amp; Guestrin, C. (2016). XGBoost: A Scalable Tree Boosting System. KDD '16.</a:t>
+            </a:r>
+          </a:p>
+          <a:p>
+            <a:pPr>
+              <a:defRPr sz="2000"/>
+            </a:pPr>
+          </a:p>
+          <a:p>
+            <a:pPr>
+              <a:defRPr sz="2000"/>
+            </a:pPr>
+            <a:r>
+              <a:t>[6] Breiman, L. (2001). Random Forests. Machine Learning, 45(1), 5-32.</a:t>
+            </a:r>
+          </a:p>
+          <a:p>
+            <a:pPr>
+              <a:defRPr sz="2000"/>
+            </a:pPr>
+          </a:p>
+          <a:p>
+            <a:pPr>
+              <a:defRPr sz="2000"/>
+            </a:pPr>
+            <a:r>
+              <a:t>[7] Wilcoxon, F. (1945). Individual Comparisons by Ranking Methods. Biometrics Bulletin, 1(6), 80-83.</a:t>
+            </a:r>
+          </a:p>
+        </p:txBody>
+      </p:sp>
+      <p:sp>
+        <p:nvSpPr>
+          <p:cNvPr id="4" name="TextBox 3"/>
+          <p:cNvSpPr txBox="1"/>
+          <p:nvPr/>
+        </p:nvSpPr>
+        <p:spPr>
+          <a:xfrm>
+            <a:off x="8229600" y="6400800"/>
+            <a:ext cx="731520" cy="365760"/>
+          </a:xfrm>
+          <a:prstGeom prst="rect">
+            <a:avLst/>
+          </a:prstGeom>
+          <a:noFill/>
+        </p:spPr>
+        <p:txBody>
+          <a:bodyPr wrap="none">
+            <a:spAutoFit/>
+          </a:bodyPr>
+          <a:lstStyle/>
+          <a:p>
+            <a:pPr algn="r">
+              <a:defRPr sz="1000">
+                <a:solidFill>
+                  <a:srgbClr val="808080"/>
+                </a:solidFill>
+              </a:defRPr>
+            </a:pPr>
+            <a:r>
+              <a:t>34</a:t>
+            </a:r>
+          </a:p>
+        </p:txBody>
+      </p:sp>
+    </p:spTree>
+  </p:cSld>
+  <p:clrMapOvr>
+    <a:masterClrMapping/>
+  </p:clrMapOvr>
+</p:sld>
+</file>
+
+<file path=ppt/slides/slide35.xml><?xml version="1.0" encoding="utf-8"?>
+<p:sld xmlns:a="http://schemas.openxmlformats.org/drawingml/2006/main" xmlns:p="http://schemas.openxmlformats.org/presentationml/2006/main" xmlns:r="http://schemas.openxmlformats.org/officeDocument/2006/relationships">
+  <p:cSld>
+    <p:spTree>
+      <p:nvGrpSpPr>
+        <p:cNvPr id="1" name=""/>
+        <p:cNvGrpSpPr/>
+        <p:nvPr/>
+      </p:nvGrpSpPr>
+      <p:grpSpPr/>
+      <p:sp>
+        <p:nvSpPr>
+          <p:cNvPr id="2" name="Title 1"/>
+          <p:cNvSpPr>
+            <a:spLocks noGrp="1"/>
+          </p:cNvSpPr>
+          <p:nvPr>
+            <p:ph type="title"/>
+          </p:nvPr>
+        </p:nvSpPr>
+        <p:spPr/>
+        <p:txBody>
+          <a:bodyPr/>
+          <a:lstStyle/>
+          <a:p>
+            <a:r>
+              <a:t>Acknowledgments</a:t>
+            </a:r>
+          </a:p>
+        </p:txBody>
+      </p:sp>
+      <p:sp>
+        <p:nvSpPr>
+          <p:cNvPr id="3" name="Content Placeholder 2"/>
+          <p:cNvSpPr>
+            <a:spLocks noGrp="1"/>
+          </p:cNvSpPr>
+          <p:nvPr>
+            <p:ph idx="1"/>
+          </p:nvPr>
+        </p:nvSpPr>
+        <p:spPr/>
+        <p:txBody>
+          <a:bodyPr/>
+          <a:lstStyle/>
+          <a:p>
+            <a:pPr>
+              <a:defRPr sz="2000"/>
+            </a:pPr>
+            <a:r>
+              <a:t>Special thanks to:</a:t>
+            </a:r>
+          </a:p>
+          <a:p>
+            <a:pPr>
+              <a:defRPr sz="2000"/>
+            </a:pPr>
+          </a:p>
+          <a:p>
+            <a:pPr>
+              <a:defRPr sz="2000"/>
+            </a:pPr>
+            <a:r>
+              <a:t>Dr. Nabil Neggaz</a:t>
+            </a:r>
+          </a:p>
+          <a:p>
+            <a:pPr>
+              <a:defRPr sz="2000"/>
+            </a:pPr>
+            <a:r>
+              <a:t>  - Course instructor and research supervisor</a:t>
+            </a:r>
+          </a:p>
+          <a:p>
+            <a:pPr>
+              <a:defRPr sz="2000"/>
+            </a:pPr>
+            <a:r>
+              <a:t>  - Guidance throughout this project</a:t>
+            </a:r>
+          </a:p>
+          <a:p>
+            <a:pPr>
+              <a:defRPr sz="2000"/>
+            </a:pPr>
+          </a:p>
+          <a:p>
+            <a:pPr>
+              <a:defRPr sz="2000"/>
+            </a:pPr>
+            <a:r>
+              <a:t>USTO-MB Computer Science Department</a:t>
+            </a:r>
+          </a:p>
+          <a:p>
+            <a:pPr>
+              <a:defRPr sz="2000"/>
+            </a:pPr>
+            <a:r>
+              <a:t>  - Providing resources and support</a:t>
+            </a:r>
+          </a:p>
+          <a:p>
+            <a:pPr>
+              <a:defRPr sz="2000"/>
+            </a:pPr>
+          </a:p>
+          <a:p>
+            <a:pPr>
+              <a:defRPr sz="2000"/>
+            </a:pPr>
+            <a:r>
+              <a:t>Original DIO Creators</a:t>
+            </a:r>
+          </a:p>
+          <a:p>
+            <a:pPr>
+              <a:defRPr sz="2000"/>
+            </a:pPr>
+            <a:r>
+              <a:t>  - Dr. Seyedali Mirjalili and team</a:t>
+            </a:r>
+          </a:p>
+          <a:p>
+            <a:pPr>
+              <a:defRPr sz="2000"/>
+            </a:pPr>
+            <a:r>
+              <a:t>  - For open-sourcing their algorithm</a:t>
+            </a:r>
+          </a:p>
+          <a:p>
+            <a:pPr>
+              <a:defRPr sz="2000"/>
+            </a:pPr>
+          </a:p>
+          <a:p>
+            <a:pPr>
+              <a:defRPr sz="2000"/>
+            </a:pPr>
+            <a:r>
+              <a:t>Open-Source Community</a:t>
+            </a:r>
+          </a:p>
+          <a:p>
+            <a:pPr>
+              <a:defRPr sz="2000"/>
+            </a:pPr>
+            <a:r>
+              <a:t>  - scikit-learn, XGBoost, NumPy, pandas</a:t>
+            </a:r>
+          </a:p>
+          <a:p>
+            <a:pPr>
+              <a:defRPr sz="2000"/>
+            </a:pPr>
+            <a:r>
+              <a:t>  - Making research accessible to all</a:t>
+            </a:r>
+          </a:p>
+          <a:p>
+            <a:pPr>
+              <a:defRPr sz="2000"/>
+            </a:pPr>
+          </a:p>
+          <a:p>
+            <a:pPr>
+              <a:defRPr sz="2000"/>
+            </a:pPr>
+          </a:p>
+          <a:p>
+            <a:pPr>
+              <a:defRPr sz="2000"/>
+            </a:pPr>
+            <a:r>
+              <a:t>Questions?</a:t>
+            </a:r>
+          </a:p>
+        </p:txBody>
+      </p:sp>
+      <p:sp>
+        <p:nvSpPr>
+          <p:cNvPr id="4" name="TextBox 3"/>
+          <p:cNvSpPr txBox="1"/>
+          <p:nvPr/>
+        </p:nvSpPr>
+        <p:spPr>
+          <a:xfrm>
+            <a:off x="8229600" y="6400800"/>
+            <a:ext cx="731520" cy="365760"/>
+          </a:xfrm>
+          <a:prstGeom prst="rect">
+            <a:avLst/>
+          </a:prstGeom>
+          <a:noFill/>
+        </p:spPr>
+        <p:txBody>
+          <a:bodyPr wrap="none">
+            <a:spAutoFit/>
+          </a:bodyPr>
+          <a:lstStyle/>
+          <a:p>
+            <a:pPr algn="r">
+              <a:defRPr sz="1000">
+                <a:solidFill>
+                  <a:srgbClr val="808080"/>
+                </a:solidFill>
+              </a:defRPr>
+            </a:pPr>
+            <a:r>
+              <a:t>35</a:t>
             </a:r>
           </a:p>
         </p:txBody>
@@ -8341,6 +8948,38 @@
             </a:pPr>
             <a:r>
               <a:t>Our approach: Optimize both together using DIO [1]</a:t>
+            </a:r>
+          </a:p>
+          <a:p>
+            <a:pPr>
+              <a:defRPr sz="2000"/>
+            </a:pPr>
+            <a:r>
+              <a:t>  - Single-split RF: 5 dholes/10 iter (outer), 10 dholes/20 iter (inner)</a:t>
+            </a:r>
+          </a:p>
+          <a:p>
+            <a:pPr>
+              <a:defRPr sz="2000"/>
+            </a:pPr>
+            <a:r>
+              <a:t>  - Single-split XGBoost: 5 dholes/10 iter (both loops)</a:t>
+            </a:r>
+          </a:p>
+          <a:p>
+            <a:pPr>
+              <a:defRPr sz="2000"/>
+            </a:pPr>
+            <a:r>
+              <a:t>  - CV-based RF: 5 dholes/10 iter (outer), 10 dholes/20 iter (inner)</a:t>
+            </a:r>
+          </a:p>
+          <a:p>
+            <a:pPr>
+              <a:defRPr sz="2000"/>
+            </a:pPr>
+            <a:r>
+              <a:t>  - CIFAR-10 XGBoost: 3 dholes/8 iter (both loops)</a:t>
             </a:r>
           </a:p>
           <a:p>

--- a/Presentation/DIO_Research_Presentation_v2.pptx
+++ b/Presentation/DIO_Research_Presentation_v2.pptx
@@ -7955,7 +7955,7 @@
           <a:lstStyle/>
           <a:p>
             <a:r>
-              <a:t>4. Conclusion: What This Research Taught Us</a:t>
+              <a:t>4. Conclusion: Key Contributions</a:t>
             </a:r>
           </a:p>
         </p:txBody>
@@ -7979,168 +7979,96 @@
               <a:defRPr sz="2000"/>
             </a:pPr>
             <a:r>
-              <a:t>This journey taught us as much from failures as from successes:</a:t>
-            </a:r>
-          </a:p>
-          <a:p>
-            <a:pPr>
-              <a:defRPr sz="2000"/>
-            </a:pPr>
-          </a:p>
-          <a:p>
-            <a:pPr>
-              <a:defRPr sz="2000"/>
-            </a:pPr>
-            <a:r>
-              <a:t>Key Contribution #1: Discovery of Optimization Overfitting</a:t>
-            </a:r>
-          </a:p>
-          <a:p>
-            <a:pPr>
-              <a:defRPr sz="2000"/>
-            </a:pPr>
-            <a:r>
-              <a:t>  - Models can 'memorize' specific data partitions during optimization</a:t>
-            </a:r>
-          </a:p>
-          <a:p>
-            <a:pPr>
-              <a:defRPr sz="2000"/>
-            </a:pPr>
-            <a:r>
-              <a:t>  - Single-run results can be wildly misleading (100% → 94.37%)</a:t>
-            </a:r>
-          </a:p>
-          <a:p>
-            <a:pPr>
-              <a:defRPr sz="2000"/>
-            </a:pPr>
-            <a:r>
-              <a:t>  - Solution: Use cross-validation DURING optimization, not just after</a:t>
-            </a:r>
-          </a:p>
-          <a:p>
-            <a:pPr>
-              <a:defRPr sz="2000"/>
-            </a:pPr>
-          </a:p>
-          <a:p>
-            <a:pPr>
-              <a:defRPr sz="2000"/>
-            </a:pPr>
-            <a:r>
-              <a:t>Key Contribution #2: Algorithm-Dependent Strategies</a:t>
-            </a:r>
-          </a:p>
-          <a:p>
-            <a:pPr>
-              <a:defRPr sz="2000"/>
-            </a:pPr>
-            <a:r>
-              <a:t>  - Random Forest: Always needs CV for robust optimization</a:t>
-            </a:r>
-          </a:p>
-          <a:p>
-            <a:pPr>
-              <a:defRPr sz="2000"/>
-            </a:pPr>
-            <a:r>
-              <a:t>  - XGBoost: More forgiving but still fails with inadequate budget</a:t>
-            </a:r>
-          </a:p>
-          <a:p>
-            <a:pPr>
-              <a:defRPr sz="2000"/>
-            </a:pPr>
-            <a:r>
-              <a:t>  - No algorithm is immune to severe under-resourcing</a:t>
-            </a:r>
-          </a:p>
-          <a:p>
-            <a:pPr>
-              <a:defRPr sz="2000"/>
-            </a:pPr>
-          </a:p>
-          <a:p>
-            <a:pPr>
-              <a:defRPr sz="2000"/>
-            </a:pPr>
-            <a:r>
-              <a:t>Key Contribution #3: Budget Scaling Laws</a:t>
-            </a:r>
-          </a:p>
-          <a:p>
-            <a:pPr>
-              <a:defRPr sz="2000"/>
-            </a:pPr>
-            <a:r>
-              <a:t>  - Success on medical (30-D, 250-576 evals)</a:t>
-            </a:r>
-          </a:p>
-          <a:p>
-            <a:pPr>
-              <a:defRPr sz="2000"/>
-            </a:pPr>
-            <a:r>
-              <a:t>  - Failure on vision (2048-D, 576 evals)</a:t>
-            </a:r>
-          </a:p>
-          <a:p>
-            <a:pPr>
-              <a:defRPr sz="2000"/>
-            </a:pPr>
-            <a:r>
-              <a:t>  - Lesson: Budget must grow ~quadratically with dimensions</a:t>
-            </a:r>
-          </a:p>
-          <a:p>
-            <a:pPr>
-              <a:defRPr sz="2000"/>
-            </a:pPr>
-          </a:p>
-          <a:p>
-            <a:pPr>
-              <a:defRPr sz="2000"/>
-            </a:pPr>
-            <a:r>
-              <a:t>Key Contribution #4: DIO-XGBoost Medical Success</a:t>
-            </a:r>
-          </a:p>
-          <a:p>
-            <a:pPr>
-              <a:defRPr sz="2000"/>
-            </a:pPr>
-            <a:r>
-              <a:t>  - 96.88% accuracy (best overall), 67% feature reduction</a:t>
-            </a:r>
-          </a:p>
-          <a:p>
-            <a:pPr>
-              <a:defRPr sz="2000"/>
-            </a:pPr>
-            <a:r>
-              <a:t>  - Significantly better than defaults (p=0.0426)</a:t>
-            </a:r>
-          </a:p>
-          <a:p>
-            <a:pPr>
-              <a:defRPr sz="2000"/>
-            </a:pPr>
-            <a:r>
-              <a:t>  - Proves methodology works when properly resourced</a:t>
-            </a:r>
-          </a:p>
-          <a:p>
-            <a:pPr>
-              <a:defRPr sz="2000"/>
-            </a:pPr>
-          </a:p>
-          <a:p>
-            <a:pPr>
-              <a:defRPr sz="2000"/>
-            </a:pPr>
-            <a:r>
-              <a:t>Final thought: Optimization isn't magic—it needs adequate investment</a:t>
+              <a:t>Four Key Contributions:</a:t>
+            </a:r>
+          </a:p>
+          <a:p>
+            <a:pPr>
+              <a:defRPr sz="2000"/>
+            </a:pPr>
+          </a:p>
+          <a:p>
+            <a:pPr>
+              <a:defRPr sz="2000"/>
+            </a:pPr>
+            <a:r>
+              <a:t>1. Discovered 'Optimization Overfitting'</a:t>
+            </a:r>
+          </a:p>
+          <a:p>
+            <a:pPr>
+              <a:defRPr sz="2000"/>
+            </a:pPr>
+            <a:r>
+              <a:t>   → Use CV during optimization, not just evaluation</a:t>
+            </a:r>
+          </a:p>
+          <a:p>
+            <a:pPr>
+              <a:defRPr sz="2000"/>
+            </a:pPr>
+          </a:p>
+          <a:p>
+            <a:pPr>
+              <a:defRPr sz="2000"/>
+            </a:pPr>
+            <a:r>
+              <a:t>2. Algorithm-Dependent Strategies</a:t>
+            </a:r>
+          </a:p>
+          <a:p>
+            <a:pPr>
+              <a:defRPr sz="2000"/>
+            </a:pPr>
+            <a:r>
+              <a:t>   → RF needs CV; XGBoost more robust but not immune</a:t>
+            </a:r>
+          </a:p>
+          <a:p>
+            <a:pPr>
+              <a:defRPr sz="2000"/>
+            </a:pPr>
+          </a:p>
+          <a:p>
+            <a:pPr>
+              <a:defRPr sz="2000"/>
+            </a:pPr>
+            <a:r>
+              <a:t>3. Budget Scaling Laws</a:t>
+            </a:r>
+          </a:p>
+          <a:p>
+            <a:pPr>
+              <a:defRPr sz="2000"/>
+            </a:pPr>
+            <a:r>
+              <a:t>   → Budget must scale with dimensionality²</a:t>
+            </a:r>
+          </a:p>
+          <a:p>
+            <a:pPr>
+              <a:defRPr sz="2000"/>
+            </a:pPr>
+          </a:p>
+          <a:p>
+            <a:pPr>
+              <a:defRPr sz="2000"/>
+            </a:pPr>
+            <a:r>
+              <a:t>4. DIO-XGBoost Success: 96.88% accuracy, 67% fewer features</a:t>
+            </a:r>
+          </a:p>
+          <a:p>
+            <a:pPr>
+              <a:defRPr sz="2000"/>
+            </a:pPr>
+          </a:p>
+          <a:p>
+            <a:pPr>
+              <a:defRPr sz="2000"/>
+            </a:pPr>
+            <a:r>
+              <a:t>Bottom line: Optimization needs adequate computational investment</a:t>
             </a:r>
           </a:p>
         </p:txBody>
@@ -8238,147 +8166,107 @@
               <a:defRPr sz="2000"/>
             </a:pPr>
             <a:r>
-              <a:t>If you're deploying ML in healthcare:</a:t>
-            </a:r>
-          </a:p>
-          <a:p>
-            <a:pPr>
-              <a:defRPr sz="2000"/>
-            </a:pPr>
-          </a:p>
-          <a:p>
-            <a:pPr>
-              <a:defRPr sz="2000"/>
-            </a:pPr>
-            <a:r>
-              <a:t>Choose DIO-XGBoost (96.88%, 10 features) if:</a:t>
-            </a:r>
-          </a:p>
-          <a:p>
-            <a:pPr>
-              <a:defRPr sz="2000"/>
-            </a:pPr>
-            <a:r>
-              <a:t>  - Maximum accuracy is non-negotiable</a:t>
-            </a:r>
-          </a:p>
-          <a:p>
-            <a:pPr>
-              <a:defRPr sz="2000"/>
-            </a:pPr>
-            <a:r>
-              <a:t>  - You have computational resources</a:t>
-            </a:r>
-          </a:p>
-          <a:p>
-            <a:pPr>
-              <a:defRPr sz="2000"/>
-            </a:pPr>
-            <a:r>
-              <a:t>  - 67% feature reduction provides significant efficiency gains</a:t>
-            </a:r>
-          </a:p>
-          <a:p>
-            <a:pPr>
-              <a:defRPr sz="2000"/>
-            </a:pPr>
-          </a:p>
-          <a:p>
-            <a:pPr>
-              <a:defRPr sz="2000"/>
-            </a:pPr>
-            <a:r>
-              <a:t>Choose DIO-RF-CV (96.55%, 6 features) if:</a:t>
-            </a:r>
-          </a:p>
-          <a:p>
-            <a:pPr>
-              <a:defRPr sz="2000"/>
-            </a:pPr>
-            <a:r>
-              <a:t>  - Clinical interpretability is paramount (only 6 measurements!)</a:t>
-            </a:r>
-          </a:p>
-          <a:p>
-            <a:pPr>
-              <a:defRPr sz="2000"/>
-            </a:pPr>
-            <a:r>
-              <a:t>  - Resource-constrained environments (80% cost reduction)</a:t>
-            </a:r>
-          </a:p>
-          <a:p>
-            <a:pPr>
-              <a:defRPr sz="2000"/>
-            </a:pPr>
-            <a:r>
-              <a:t>  - Near-maximum accuracy is acceptable (only 0.08% less)</a:t>
-            </a:r>
-          </a:p>
-          <a:p>
-            <a:pPr>
-              <a:defRPr sz="2000"/>
-            </a:pPr>
-          </a:p>
-          <a:p>
-            <a:pPr>
-              <a:defRPr sz="2000"/>
-            </a:pPr>
-            <a:r>
-              <a:t>Avoid DIO-RF-Single (94.37%, 8 features) unless:</a:t>
-            </a:r>
-          </a:p>
-          <a:p>
-            <a:pPr>
-              <a:defRPr sz="2000"/>
-            </a:pPr>
-            <a:r>
-              <a:t>  - You only need rapid prototyping (1-minute optimization)</a:t>
-            </a:r>
-          </a:p>
-          <a:p>
-            <a:pPr>
-              <a:defRPr sz="2000"/>
-            </a:pPr>
-            <a:r>
-              <a:t>  - Lower accuracy is acceptable for initial screening</a:t>
-            </a:r>
-          </a:p>
-          <a:p>
-            <a:pPr>
-              <a:defRPr sz="2000"/>
-            </a:pPr>
-          </a:p>
-          <a:p>
-            <a:pPr>
-              <a:defRPr sz="2000"/>
-            </a:pPr>
-            <a:r>
-              <a:t>General wisdom:</a:t>
-            </a:r>
-          </a:p>
-          <a:p>
-            <a:pPr>
-              <a:defRPr sz="2000"/>
-            </a:pPr>
-            <a:r>
-              <a:t>  - Always run 30+ validation runs with different splits</a:t>
-            </a:r>
-          </a:p>
-          <a:p>
-            <a:pPr>
-              <a:defRPr sz="2000"/>
-            </a:pPr>
-            <a:r>
-              <a:t>  - Use statistical tests (Wilcoxon) to confirm improvements</a:t>
-            </a:r>
-          </a:p>
-          <a:p>
-            <a:pPr>
-              <a:defRPr sz="2000"/>
-            </a:pPr>
-            <a:r>
-              <a:t>  - Match optimization budget to problem dimensionality</a:t>
+              <a:t>For Healthcare ML Deployment:</a:t>
+            </a:r>
+          </a:p>
+          <a:p>
+            <a:pPr>
+              <a:defRPr sz="2000"/>
+            </a:pPr>
+          </a:p>
+          <a:p>
+            <a:pPr>
+              <a:defRPr sz="2000"/>
+            </a:pPr>
+            <a:r>
+              <a:t>🏆 DIO-XGBoost: 96.88%, 10 features</a:t>
+            </a:r>
+          </a:p>
+          <a:p>
+            <a:pPr>
+              <a:defRPr sz="2000"/>
+            </a:pPr>
+            <a:r>
+              <a:t>   → Best accuracy, use when resources available</a:t>
+            </a:r>
+          </a:p>
+          <a:p>
+            <a:pPr>
+              <a:defRPr sz="2000"/>
+            </a:pPr>
+          </a:p>
+          <a:p>
+            <a:pPr>
+              <a:defRPr sz="2000"/>
+            </a:pPr>
+            <a:r>
+              <a:t>✓ DIO-RF-CV: 96.55%, 6 features</a:t>
+            </a:r>
+          </a:p>
+          <a:p>
+            <a:pPr>
+              <a:defRPr sz="2000"/>
+            </a:pPr>
+            <a:r>
+              <a:t>   → Best interpretability, 80% cost reduction</a:t>
+            </a:r>
+          </a:p>
+          <a:p>
+            <a:pPr>
+              <a:defRPr sz="2000"/>
+            </a:pPr>
+          </a:p>
+          <a:p>
+            <a:pPr>
+              <a:defRPr sz="2000"/>
+            </a:pPr>
+            <a:r>
+              <a:t>⚠ DIO-RF-Single: 94.37%, 8 features</a:t>
+            </a:r>
+          </a:p>
+          <a:p>
+            <a:pPr>
+              <a:defRPr sz="2000"/>
+            </a:pPr>
+            <a:r>
+              <a:t>   → Only for rapid prototyping</a:t>
+            </a:r>
+          </a:p>
+          <a:p>
+            <a:pPr>
+              <a:defRPr sz="2000"/>
+            </a:pPr>
+          </a:p>
+          <a:p>
+            <a:pPr>
+              <a:defRPr sz="2000"/>
+            </a:pPr>
+            <a:r>
+              <a:t>Golden Rules:</a:t>
+            </a:r>
+          </a:p>
+          <a:p>
+            <a:pPr>
+              <a:defRPr sz="2000"/>
+            </a:pPr>
+            <a:r>
+              <a:t>  • Always validate with 30+ runs</a:t>
+            </a:r>
+          </a:p>
+          <a:p>
+            <a:pPr>
+              <a:defRPr sz="2000"/>
+            </a:pPr>
+            <a:r>
+              <a:t>  • Use statistical tests (Wilcoxon)</a:t>
+            </a:r>
+          </a:p>
+          <a:p>
+            <a:pPr>
+              <a:defRPr sz="2000"/>
+            </a:pPr>
+            <a:r>
+              <a:t>  • Scale budget with dimensionality</a:t>
             </a:r>
           </a:p>
         </p:txBody>
@@ -8476,85 +8364,55 @@
               <a:defRPr sz="2000"/>
             </a:pPr>
             <a:r>
-              <a:t>[1] El Romeh, A., Mirjalili, S., &amp; Šnel, V. (2025). Dholes-Inspired Optimization (DIO). Cluster Computing (Springer). DOI: 10.1007/s10586-025-05543-2</a:t>
-            </a:r>
-          </a:p>
-          <a:p>
-            <a:pPr>
-              <a:defRPr sz="2000"/>
-            </a:pPr>
-          </a:p>
-          <a:p>
-            <a:pPr>
-              <a:defRPr sz="2000"/>
-            </a:pPr>
-            <a:r>
-              <a:t>[2] Dua, D. &amp; Graff, C. (2019). UCI Machine Learning Repository: Breast Cancer Wisconsin (Diagnostic) Data Set. University of California, Irvine.</a:t>
-            </a:r>
-          </a:p>
-          <a:p>
-            <a:pPr>
-              <a:defRPr sz="2000"/>
-            </a:pPr>
-          </a:p>
-          <a:p>
-            <a:pPr>
-              <a:defRPr sz="2000"/>
-            </a:pPr>
-            <a:r>
-              <a:t>[3] Krizhevsky, A. (2009). Learning Multiple Layers of Features from Tiny Images. Technical Report, University of Toronto.</a:t>
-            </a:r>
-          </a:p>
-          <a:p>
-            <a:pPr>
-              <a:defRPr sz="2000"/>
-            </a:pPr>
-          </a:p>
-          <a:p>
-            <a:pPr>
-              <a:defRPr sz="2000"/>
-            </a:pPr>
-            <a:r>
-              <a:t>[4] He, K., Zhang, X., Ren, S., &amp; Sun, J. (2016). Deep Residual Learning for Image Recognition. IEEE CVPR.</a:t>
-            </a:r>
-          </a:p>
-          <a:p>
-            <a:pPr>
-              <a:defRPr sz="2000"/>
-            </a:pPr>
-          </a:p>
-          <a:p>
-            <a:pPr>
-              <a:defRPr sz="2000"/>
-            </a:pPr>
-            <a:r>
-              <a:t>[5] Chen, T. &amp; Guestrin, C. (2016). XGBoost: A Scalable Tree Boosting System. KDD '16.</a:t>
-            </a:r>
-          </a:p>
-          <a:p>
-            <a:pPr>
-              <a:defRPr sz="2000"/>
-            </a:pPr>
-          </a:p>
-          <a:p>
-            <a:pPr>
-              <a:defRPr sz="2000"/>
-            </a:pPr>
-            <a:r>
-              <a:t>[6] Breiman, L. (2001). Random Forests. Machine Learning, 45(1), 5-32.</a:t>
-            </a:r>
-          </a:p>
-          <a:p>
-            <a:pPr>
-              <a:defRPr sz="2000"/>
-            </a:pPr>
-          </a:p>
-          <a:p>
-            <a:pPr>
-              <a:defRPr sz="2000"/>
-            </a:pPr>
-            <a:r>
-              <a:t>[7] Wilcoxon, F. (1945). Individual Comparisons by Ranking Methods. Biometrics Bulletin, 1(6), 80-83.</a:t>
+              <a:t>[1] El Romeh et al. (2025). DIO Algorithm. Cluster Computing, Springer</a:t>
+            </a:r>
+          </a:p>
+          <a:p>
+            <a:pPr>
+              <a:defRPr sz="2000"/>
+            </a:pPr>
+            <a:r>
+              <a:t>[2] UCI ML Repository: Breast Cancer Wisconsin Dataset (2019)</a:t>
+            </a:r>
+          </a:p>
+          <a:p>
+            <a:pPr>
+              <a:defRPr sz="2000"/>
+            </a:pPr>
+            <a:r>
+              <a:t>[3] Krizhevsky (2009). CIFAR-10 Dataset. U. Toronto</a:t>
+            </a:r>
+          </a:p>
+          <a:p>
+            <a:pPr>
+              <a:defRPr sz="2000"/>
+            </a:pPr>
+            <a:r>
+              <a:t>[4] He et al. (2016). ResNet. IEEE CVPR</a:t>
+            </a:r>
+          </a:p>
+          <a:p>
+            <a:pPr>
+              <a:defRPr sz="2000"/>
+            </a:pPr>
+            <a:r>
+              <a:t>[5] Chen &amp; Guestrin (2016). XGBoost. KDD '16</a:t>
+            </a:r>
+          </a:p>
+          <a:p>
+            <a:pPr>
+              <a:defRPr sz="2000"/>
+            </a:pPr>
+            <a:r>
+              <a:t>[6] Breiman (2001). Random Forests. Machine Learning</a:t>
+            </a:r>
+          </a:p>
+          <a:p>
+            <a:pPr>
+              <a:defRPr sz="2000"/>
+            </a:pPr>
+            <a:r>
+              <a:t>[7] Wilcoxon (1945). Signed-Rank Test. Biometrics Bulletin</a:t>
             </a:r>
           </a:p>
         </p:txBody>
@@ -8628,7 +8486,7 @@
           <a:lstStyle/>
           <a:p>
             <a:r>
-              <a:t>Acknowledgments</a:t>
+              <a:t>Thank You</a:t>
             </a:r>
           </a:p>
         </p:txBody>
@@ -8652,116 +8510,50 @@
               <a:defRPr sz="2000"/>
             </a:pPr>
             <a:r>
-              <a:t>Special thanks to:</a:t>
-            </a:r>
-          </a:p>
-          <a:p>
-            <a:pPr>
-              <a:defRPr sz="2000"/>
-            </a:pPr>
-          </a:p>
-          <a:p>
-            <a:pPr>
-              <a:defRPr sz="2000"/>
-            </a:pPr>
-            <a:r>
-              <a:t>Dr. Nabil Neggaz</a:t>
-            </a:r>
-          </a:p>
-          <a:p>
-            <a:pPr>
-              <a:defRPr sz="2000"/>
-            </a:pPr>
-            <a:r>
-              <a:t>  - Course instructor and research supervisor</a:t>
-            </a:r>
-          </a:p>
-          <a:p>
-            <a:pPr>
-              <a:defRPr sz="2000"/>
-            </a:pPr>
-            <a:r>
-              <a:t>  - Guidance throughout this project</a:t>
-            </a:r>
-          </a:p>
-          <a:p>
-            <a:pPr>
-              <a:defRPr sz="2000"/>
-            </a:pPr>
-          </a:p>
-          <a:p>
-            <a:pPr>
-              <a:defRPr sz="2000"/>
-            </a:pPr>
-            <a:r>
-              <a:t>USTO-MB Computer Science Department</a:t>
-            </a:r>
-          </a:p>
-          <a:p>
-            <a:pPr>
-              <a:defRPr sz="2000"/>
-            </a:pPr>
-            <a:r>
-              <a:t>  - Providing resources and support</a:t>
-            </a:r>
-          </a:p>
-          <a:p>
-            <a:pPr>
-              <a:defRPr sz="2000"/>
-            </a:pPr>
-          </a:p>
-          <a:p>
-            <a:pPr>
-              <a:defRPr sz="2000"/>
-            </a:pPr>
-            <a:r>
-              <a:t>Original DIO Creators</a:t>
-            </a:r>
-          </a:p>
-          <a:p>
-            <a:pPr>
-              <a:defRPr sz="2000"/>
-            </a:pPr>
-            <a:r>
-              <a:t>  - Dr. Seyedali Mirjalili and team</a:t>
-            </a:r>
-          </a:p>
-          <a:p>
-            <a:pPr>
-              <a:defRPr sz="2000"/>
-            </a:pPr>
-            <a:r>
-              <a:t>  - For open-sourcing their algorithm</a:t>
-            </a:r>
-          </a:p>
-          <a:p>
-            <a:pPr>
-              <a:defRPr sz="2000"/>
-            </a:pPr>
-          </a:p>
-          <a:p>
-            <a:pPr>
-              <a:defRPr sz="2000"/>
-            </a:pPr>
-            <a:r>
-              <a:t>Open-Source Community</a:t>
-            </a:r>
-          </a:p>
-          <a:p>
-            <a:pPr>
-              <a:defRPr sz="2000"/>
-            </a:pPr>
-            <a:r>
-              <a:t>  - scikit-learn, XGBoost, NumPy, pandas</a:t>
-            </a:r>
-          </a:p>
-          <a:p>
-            <a:pPr>
-              <a:defRPr sz="2000"/>
-            </a:pPr>
-            <a:r>
-              <a:t>  - Making research accessible to all</a:t>
-            </a:r>
+              <a:t>Acknowledgments:</a:t>
+            </a:r>
+          </a:p>
+          <a:p>
+            <a:pPr>
+              <a:defRPr sz="2000"/>
+            </a:pPr>
+          </a:p>
+          <a:p>
+            <a:pPr>
+              <a:defRPr sz="2000"/>
+            </a:pPr>
+            <a:r>
+              <a:t>• Dr. Nabil Neggaz – Course Professor &amp; Supervisor</a:t>
+            </a:r>
+          </a:p>
+          <a:p>
+            <a:pPr>
+              <a:defRPr sz="2000"/>
+            </a:pPr>
+            <a:r>
+              <a:t>• USTO-MB Computer Science Department</a:t>
+            </a:r>
+          </a:p>
+          <a:p>
+            <a:pPr>
+              <a:defRPr sz="2000"/>
+            </a:pPr>
+            <a:r>
+              <a:t>• DIO Creators: Dr. Mirjalili &amp; Team</a:t>
+            </a:r>
+          </a:p>
+          <a:p>
+            <a:pPr>
+              <a:defRPr sz="2000"/>
+            </a:pPr>
+            <a:r>
+              <a:t>• Open-Source: scikit-learn, XGBoost, NumPy</a:t>
+            </a:r>
+          </a:p>
+          <a:p>
+            <a:pPr>
+              <a:defRPr sz="2000"/>
+            </a:pPr>
           </a:p>
           <a:p>
             <a:pPr>
